--- a/lezioni/2.0 cinematica.pptx
+++ b/lezioni/2.0 cinematica.pptx
@@ -4067,7 +4067,7 @@
           </a:ln>
           <a:extLst>
             <a:ext uri="{C572A759-6A51-4108-AA02-DFA0A04FC94B}">
-              <ma14:wrappingTextBoxFlag xmlns="" xmlns:ma14="http://schemas.microsoft.com/office/mac/drawingml/2011/main" xmlns:a14="http://schemas.microsoft.com/office/drawing/2010/main" xmlns:m="http://schemas.openxmlformats.org/officeDocument/2006/math" val="1"/>
+              <ma14:wrappingTextBoxFlag xmlns:m="http://schemas.openxmlformats.org/officeDocument/2006/math" xmlns:a14="http://schemas.microsoft.com/office/drawing/2010/main" xmlns:ma14="http://schemas.microsoft.com/office/mac/drawingml/2011/main" xmlns="" val="1"/>
             </a:ext>
           </a:extLst>
         </p:spPr>
@@ -4106,7 +4106,7 @@
           </a:ln>
           <a:extLst>
             <a:ext uri="{C572A759-6A51-4108-AA02-DFA0A04FC94B}">
-              <ma14:wrappingTextBoxFlag xmlns="" xmlns:ma14="http://schemas.microsoft.com/office/mac/drawingml/2011/main" xmlns:a14="http://schemas.microsoft.com/office/drawing/2010/main" xmlns:m="http://schemas.openxmlformats.org/officeDocument/2006/math" val="1"/>
+              <ma14:wrappingTextBoxFlag xmlns:m="http://schemas.openxmlformats.org/officeDocument/2006/math" xmlns:a14="http://schemas.microsoft.com/office/drawing/2010/main" xmlns:ma14="http://schemas.microsoft.com/office/mac/drawingml/2011/main" xmlns="" val="1"/>
             </a:ext>
           </a:extLst>
         </p:spPr>
@@ -4997,7 +4997,7 @@
           </a:ln>
           <a:extLst>
             <a:ext uri="{C572A759-6A51-4108-AA02-DFA0A04FC94B}">
-              <ma14:wrappingTextBoxFlag xmlns="" xmlns:ma14="http://schemas.microsoft.com/office/mac/drawingml/2011/main" xmlns:a14="http://schemas.microsoft.com/office/drawing/2010/main" xmlns:m="http://schemas.openxmlformats.org/officeDocument/2006/math" val="1"/>
+              <ma14:wrappingTextBoxFlag xmlns:m="http://schemas.openxmlformats.org/officeDocument/2006/math" xmlns:a14="http://schemas.microsoft.com/office/drawing/2010/main" xmlns:ma14="http://schemas.microsoft.com/office/mac/drawingml/2011/main" xmlns="" val="1"/>
             </a:ext>
           </a:extLst>
         </p:spPr>
@@ -5886,7 +5886,7 @@
           </a:ln>
           <a:extLst>
             <a:ext uri="{C572A759-6A51-4108-AA02-DFA0A04FC94B}">
-              <ma14:wrappingTextBoxFlag xmlns="" xmlns:ma14="http://schemas.microsoft.com/office/mac/drawingml/2011/main" xmlns:a14="http://schemas.microsoft.com/office/drawing/2010/main" xmlns:m="http://schemas.openxmlformats.org/officeDocument/2006/math" val="1"/>
+              <ma14:wrappingTextBoxFlag xmlns:m="http://schemas.openxmlformats.org/officeDocument/2006/math" xmlns:a14="http://schemas.microsoft.com/office/drawing/2010/main" xmlns:ma14="http://schemas.microsoft.com/office/mac/drawingml/2011/main" xmlns="" val="1"/>
             </a:ext>
           </a:extLst>
         </p:spPr>
@@ -5959,7 +5959,7 @@
           </a:ln>
           <a:extLst>
             <a:ext uri="{C572A759-6A51-4108-AA02-DFA0A04FC94B}">
-              <ma14:wrappingTextBoxFlag xmlns="" xmlns:ma14="http://schemas.microsoft.com/office/mac/drawingml/2011/main" xmlns:a14="http://schemas.microsoft.com/office/drawing/2010/main" xmlns:m="http://schemas.openxmlformats.org/officeDocument/2006/math" val="1"/>
+              <ma14:wrappingTextBoxFlag xmlns:m="http://schemas.openxmlformats.org/officeDocument/2006/math" xmlns:a14="http://schemas.microsoft.com/office/drawing/2010/main" xmlns:ma14="http://schemas.microsoft.com/office/mac/drawingml/2011/main" xmlns="" val="1"/>
             </a:ext>
           </a:extLst>
         </p:spPr>
@@ -6060,7 +6060,7 @@
           </a:ln>
           <a:extLst>
             <a:ext uri="{C572A759-6A51-4108-AA02-DFA0A04FC94B}">
-              <ma14:wrappingTextBoxFlag xmlns="" xmlns:ma14="http://schemas.microsoft.com/office/mac/drawingml/2011/main" xmlns:a14="http://schemas.microsoft.com/office/drawing/2010/main" xmlns:m="http://schemas.openxmlformats.org/officeDocument/2006/math" val="1"/>
+              <ma14:wrappingTextBoxFlag xmlns:m="http://schemas.openxmlformats.org/officeDocument/2006/math" xmlns:a14="http://schemas.microsoft.com/office/drawing/2010/main" xmlns:ma14="http://schemas.microsoft.com/office/mac/drawingml/2011/main" xmlns="" val="1"/>
             </a:ext>
           </a:extLst>
         </p:spPr>
@@ -6161,7 +6161,7 @@
           </a:ln>
           <a:extLst>
             <a:ext uri="{C572A759-6A51-4108-AA02-DFA0A04FC94B}">
-              <ma14:wrappingTextBoxFlag xmlns="" xmlns:ma14="http://schemas.microsoft.com/office/mac/drawingml/2011/main" xmlns:a14="http://schemas.microsoft.com/office/drawing/2010/main" xmlns:m="http://schemas.openxmlformats.org/officeDocument/2006/math" val="1"/>
+              <ma14:wrappingTextBoxFlag xmlns:m="http://schemas.openxmlformats.org/officeDocument/2006/math" xmlns:a14="http://schemas.microsoft.com/office/drawing/2010/main" xmlns:ma14="http://schemas.microsoft.com/office/mac/drawingml/2011/main" xmlns="" val="1"/>
             </a:ext>
           </a:extLst>
         </p:spPr>
@@ -6302,7 +6302,7 @@
               </a:ln>
               <a:extLst>
                 <a:ext uri="{C572A759-6A51-4108-AA02-DFA0A04FC94B}">
-                  <ma14:wrappingTextBoxFlag xmlns="" xmlns:ma14="http://schemas.microsoft.com/office/mac/drawingml/2011/main" xmlns:m="http://schemas.openxmlformats.org/officeDocument/2006/math" val="1"/>
+                  <ma14:wrappingTextBoxFlag xmlns:m="http://schemas.openxmlformats.org/officeDocument/2006/math" xmlns:ma14="http://schemas.microsoft.com/office/mac/drawingml/2011/main" xmlns="" val="1"/>
                 </a:ext>
               </a:extLst>
             </p:spPr>
@@ -29909,7 +29909,7 @@
           </a:ln>
           <a:extLst>
             <a:ext uri="{C572A759-6A51-4108-AA02-DFA0A04FC94B}">
-              <ma14:wrappingTextBoxFlag xmlns="" xmlns:ma14="http://schemas.microsoft.com/office/mac/drawingml/2011/main" xmlns:a14="http://schemas.microsoft.com/office/drawing/2010/main" xmlns:m="http://schemas.openxmlformats.org/officeDocument/2006/math" val="1"/>
+              <ma14:wrappingTextBoxFlag xmlns:m="http://schemas.openxmlformats.org/officeDocument/2006/math" xmlns:a14="http://schemas.microsoft.com/office/drawing/2010/main" xmlns:ma14="http://schemas.microsoft.com/office/mac/drawingml/2011/main" xmlns="" val="1"/>
             </a:ext>
           </a:extLst>
         </p:spPr>
@@ -30224,7 +30224,7 @@
           </a:ln>
           <a:extLst>
             <a:ext uri="{C572A759-6A51-4108-AA02-DFA0A04FC94B}">
-              <ma14:wrappingTextBoxFlag xmlns="" xmlns:ma14="http://schemas.microsoft.com/office/mac/drawingml/2011/main" xmlns:a14="http://schemas.microsoft.com/office/drawing/2010/main" xmlns:m="http://schemas.openxmlformats.org/officeDocument/2006/math" val="1"/>
+              <ma14:wrappingTextBoxFlag xmlns:m="http://schemas.openxmlformats.org/officeDocument/2006/math" xmlns:a14="http://schemas.microsoft.com/office/drawing/2010/main" xmlns:ma14="http://schemas.microsoft.com/office/mac/drawingml/2011/main" xmlns="" val="1"/>
             </a:ext>
           </a:extLst>
         </p:spPr>
@@ -30336,7 +30336,7 @@
           </a:ln>
           <a:extLst>
             <a:ext uri="{C572A759-6A51-4108-AA02-DFA0A04FC94B}">
-              <ma14:wrappingTextBoxFlag xmlns="" xmlns:ma14="http://schemas.microsoft.com/office/mac/drawingml/2011/main" xmlns:a14="http://schemas.microsoft.com/office/drawing/2010/main" xmlns:m="http://schemas.openxmlformats.org/officeDocument/2006/math" val="1"/>
+              <ma14:wrappingTextBoxFlag xmlns:m="http://schemas.openxmlformats.org/officeDocument/2006/math" xmlns:a14="http://schemas.microsoft.com/office/drawing/2010/main" xmlns:ma14="http://schemas.microsoft.com/office/mac/drawingml/2011/main" xmlns="" val="1"/>
             </a:ext>
           </a:extLst>
         </p:spPr>
@@ -30393,7 +30393,7 @@
         <p:spPr>
           <a:xfrm>
             <a:off x="426935" y="4776701"/>
-            <a:ext cx="10761403" cy="2031321"/>
+            <a:ext cx="10761403" cy="1477323"/>
           </a:xfrm>
           <a:prstGeom prst="rect">
             <a:avLst/>
@@ -30403,7 +30403,7 @@
           </a:ln>
           <a:extLst>
             <a:ext uri="{C572A759-6A51-4108-AA02-DFA0A04FC94B}">
-              <ma14:wrappingTextBoxFlag xmlns="" xmlns:ma14="http://schemas.microsoft.com/office/mac/drawingml/2011/main" xmlns:a14="http://schemas.microsoft.com/office/drawing/2010/main" xmlns:m="http://schemas.openxmlformats.org/officeDocument/2006/math" val="1"/>
+              <ma14:wrappingTextBoxFlag xmlns:m="http://schemas.openxmlformats.org/officeDocument/2006/math" xmlns:a14="http://schemas.microsoft.com/office/drawing/2010/main" xmlns:ma14="http://schemas.microsoft.com/office/mac/drawingml/2011/main" xmlns="" val="1"/>
             </a:ext>
           </a:extLst>
         </p:spPr>
@@ -30425,130 +30425,146 @@
               </a:defRPr>
             </a:pPr>
             <a:r>
+              <a:rPr dirty="0"/>
               <a:t>Lo </a:t>
             </a:r>
             <a:r>
-              <a:rPr i="1" err="1"/>
+              <a:rPr i="1" dirty="0" err="1"/>
               <a:t>spostamento</a:t>
             </a:r>
             <a:r>
-              <a:rPr i="1"/>
+              <a:rPr i="1" dirty="0"/>
               <a:t> di un </a:t>
             </a:r>
             <a:r>
-              <a:rPr i="1" err="1"/>
+              <a:rPr i="1" dirty="0" err="1"/>
               <a:t>corpo</a:t>
             </a:r>
             <a:r>
-              <a:rPr i="1"/>
+              <a:rPr i="1" dirty="0"/>
               <a:t> </a:t>
             </a:r>
             <a:r>
-              <a:rPr i="1" err="1"/>
+              <a:rPr i="1" dirty="0" err="1"/>
               <a:t>rigido</a:t>
             </a:r>
             <a:r>
+              <a:rPr dirty="0"/>
               <a:t> </a:t>
             </a:r>
             <a:r>
-              <a:rPr err="1"/>
+              <a:rPr dirty="0" err="1"/>
               <a:t>è</a:t>
             </a:r>
             <a:r>
+              <a:rPr dirty="0"/>
               <a:t> </a:t>
             </a:r>
             <a:r>
-              <a:rPr err="1"/>
+              <a:rPr dirty="0" err="1"/>
               <a:t>definito</a:t>
             </a:r>
             <a:r>
+              <a:rPr dirty="0"/>
               <a:t> </a:t>
             </a:r>
             <a:r>
-              <a:rPr err="1"/>
+              <a:rPr dirty="0" err="1"/>
               <a:t>dall’insieme</a:t>
             </a:r>
             <a:r>
+              <a:rPr dirty="0"/>
               <a:t> </a:t>
             </a:r>
             <a:r>
-              <a:rPr err="1"/>
+              <a:rPr dirty="0" err="1"/>
               <a:t>degli</a:t>
             </a:r>
             <a:r>
+              <a:rPr dirty="0"/>
               <a:t> </a:t>
             </a:r>
             <a:r>
-              <a:rPr err="1"/>
+              <a:rPr dirty="0" err="1"/>
               <a:t>spostamenti</a:t>
             </a:r>
             <a:r>
+              <a:rPr dirty="0"/>
               <a:t> </a:t>
             </a:r>
             <a:r>
-              <a:rPr err="1"/>
+              <a:rPr dirty="0" err="1"/>
               <a:t>compiuti</a:t>
             </a:r>
             <a:r>
+              <a:rPr dirty="0"/>
               <a:t> da tutti </a:t>
             </a:r>
             <a:r>
-              <a:rPr err="1"/>
+              <a:rPr dirty="0" err="1"/>
               <a:t>i</a:t>
             </a:r>
             <a:r>
+              <a:rPr dirty="0"/>
               <a:t> </a:t>
             </a:r>
             <a:r>
-              <a:rPr err="1"/>
+              <a:rPr dirty="0" err="1"/>
               <a:t>punti</a:t>
             </a:r>
             <a:r>
+              <a:rPr dirty="0"/>
               <a:t> del </a:t>
             </a:r>
             <a:r>
-              <a:rPr err="1"/>
+              <a:rPr dirty="0" err="1"/>
               <a:t>corpo</a:t>
             </a:r>
             <a:r>
+              <a:rPr dirty="0"/>
               <a:t> </a:t>
             </a:r>
             <a:r>
-              <a:rPr err="1"/>
+              <a:rPr dirty="0" err="1"/>
               <a:t>nel</a:t>
             </a:r>
             <a:r>
+              <a:rPr dirty="0"/>
               <a:t> passaggio </a:t>
             </a:r>
             <a:r>
-              <a:rPr err="1"/>
+              <a:rPr dirty="0" err="1"/>
               <a:t>dalla</a:t>
             </a:r>
             <a:r>
+              <a:rPr dirty="0"/>
               <a:t> </a:t>
             </a:r>
             <a:r>
-              <a:rPr err="1"/>
+              <a:rPr dirty="0" err="1"/>
               <a:t>configurazione</a:t>
             </a:r>
             <a:r>
+              <a:rPr dirty="0"/>
               <a:t> </a:t>
             </a:r>
             <a:r>
-              <a:rPr err="1"/>
+              <a:rPr dirty="0" err="1"/>
               <a:t>iniziale</a:t>
             </a:r>
             <a:r>
+              <a:rPr dirty="0"/>
               <a:t> a </a:t>
             </a:r>
             <a:r>
-              <a:rPr err="1"/>
+              <a:rPr dirty="0" err="1"/>
               <a:t>quella</a:t>
             </a:r>
             <a:r>
+              <a:rPr dirty="0"/>
               <a:t> finale. </a:t>
             </a:r>
-            <a:endParaRPr lang="en-US"/>
+            <a:endParaRPr lang="en-US" dirty="0"/>
           </a:p>
           <a:p>
             <a:pPr>
@@ -30562,7 +30578,7 @@
                 <a:sym typeface="freight-text-pro"/>
               </a:defRPr>
             </a:pPr>
-            <a:endParaRPr lang="en-US"/>
+            <a:endParaRPr lang="en-US" dirty="0"/>
           </a:p>
           <a:p>
             <a:pPr>
@@ -30577,170 +30593,102 @@
               </a:defRPr>
             </a:pPr>
             <a:r>
+              <a:rPr dirty="0"/>
               <a:t>Se </a:t>
             </a:r>
             <a:r>
-              <a:rPr err="1"/>
+              <a:rPr dirty="0" err="1"/>
               <a:t>tali</a:t>
             </a:r>
             <a:r>
+              <a:rPr dirty="0"/>
               <a:t> </a:t>
             </a:r>
             <a:r>
-              <a:rPr err="1"/>
+              <a:rPr dirty="0" err="1"/>
               <a:t>spostamenti</a:t>
             </a:r>
             <a:r>
+              <a:rPr dirty="0"/>
               <a:t> </a:t>
             </a:r>
             <a:r>
-              <a:rPr err="1"/>
+              <a:rPr dirty="0" err="1"/>
               <a:t>sono</a:t>
             </a:r>
             <a:r>
+              <a:rPr dirty="0"/>
               <a:t> tutti </a:t>
             </a:r>
             <a:r>
-              <a:rPr err="1"/>
+              <a:rPr dirty="0" err="1"/>
               <a:t>paralleli</a:t>
             </a:r>
             <a:r>
+              <a:rPr dirty="0"/>
               <a:t> ad uno </a:t>
             </a:r>
             <a:r>
-              <a:rPr err="1"/>
+              <a:rPr dirty="0" err="1"/>
               <a:t>stesso</a:t>
             </a:r>
             <a:r>
+              <a:rPr dirty="0"/>
               <a:t> piano, </a:t>
             </a:r>
             <a:r>
-              <a:rPr err="1"/>
+              <a:rPr dirty="0" err="1"/>
               <a:t>si</a:t>
             </a:r>
             <a:r>
+              <a:rPr dirty="0"/>
               <a:t> dice </a:t>
             </a:r>
             <a:r>
-              <a:rPr err="1"/>
+              <a:rPr dirty="0" err="1"/>
               <a:t>che</a:t>
             </a:r>
             <a:r>
+              <a:rPr dirty="0"/>
               <a:t> il </a:t>
             </a:r>
             <a:r>
-              <a:rPr err="1"/>
+              <a:rPr dirty="0" err="1"/>
               <a:t>corpo</a:t>
             </a:r>
             <a:r>
+              <a:rPr dirty="0"/>
               <a:t> </a:t>
             </a:r>
             <a:r>
-              <a:rPr err="1"/>
+              <a:rPr dirty="0" err="1"/>
               <a:t>compie</a:t>
             </a:r>
             <a:r>
+              <a:rPr dirty="0"/>
               <a:t> uno </a:t>
             </a:r>
             <a:r>
-              <a:rPr i="1" err="1"/>
+              <a:rPr i="1" dirty="0" err="1"/>
               <a:t>spostamento</a:t>
             </a:r>
             <a:r>
-              <a:rPr i="1"/>
+              <a:rPr i="1" dirty="0"/>
               <a:t> </a:t>
             </a:r>
             <a:r>
-              <a:rPr i="1" err="1"/>
+              <a:rPr i="1" dirty="0" err="1"/>
               <a:t>rigido</a:t>
             </a:r>
             <a:r>
-              <a:rPr i="1"/>
+              <a:rPr i="1" dirty="0"/>
               <a:t> piano</a:t>
             </a:r>
             <a:r>
+              <a:rPr dirty="0"/>
               <a:t>. </a:t>
             </a:r>
-            <a:endParaRPr lang="en-US"/>
-          </a:p>
-          <a:p>
-            <a:pPr>
-              <a:defRPr>
-                <a:solidFill>
-                  <a:srgbClr val="131313"/>
-                </a:solidFill>
-                <a:latin typeface="freight-text-pro"/>
-                <a:ea typeface="freight-text-pro"/>
-                <a:cs typeface="freight-text-pro"/>
-                <a:sym typeface="freight-text-pro"/>
-              </a:defRPr>
-            </a:pPr>
-            <a:r>
-              <a:t>Si </a:t>
-            </a:r>
-            <a:r>
-              <a:rPr err="1"/>
-              <a:t>definiscono</a:t>
-            </a:r>
-            <a:r>
-              <a:t> due tipi </a:t>
-            </a:r>
-            <a:r>
-              <a:rPr err="1"/>
-              <a:t>elementari</a:t>
-            </a:r>
-            <a:r>
-              <a:t> di </a:t>
-            </a:r>
-            <a:r>
-              <a:rPr err="1"/>
-              <a:t>spostamento</a:t>
-            </a:r>
-            <a:r>
-              <a:t> per un </a:t>
-            </a:r>
-            <a:r>
-              <a:rPr err="1"/>
-              <a:t>corpo</a:t>
-            </a:r>
-            <a:r>
-              <a:t> </a:t>
-            </a:r>
-            <a:r>
-              <a:rPr err="1"/>
-              <a:t>rigido</a:t>
-            </a:r>
-            <a:r>
-              <a:t>: la </a:t>
-            </a:r>
-            <a:r>
-              <a:rPr i="1" err="1"/>
-              <a:t>traslazione</a:t>
-            </a:r>
-            <a:r>
-              <a:t> e la </a:t>
-            </a:r>
-            <a:r>
-              <a:rPr i="1" err="1"/>
-              <a:t>rotazione</a:t>
-            </a:r>
-            <a:r>
-              <a:t> </a:t>
-            </a:r>
-            <a:r>
-              <a:rPr err="1"/>
-              <a:t>intorno</a:t>
-            </a:r>
-            <a:r>
-              <a:t> a un asse </a:t>
-            </a:r>
-            <a:r>
-              <a:rPr err="1"/>
-              <a:t>fisso</a:t>
-            </a:r>
-            <a:r>
-              <a:t>.</a:t>
-            </a:r>
+            <a:endParaRPr lang="en-IT" dirty="0"/>
           </a:p>
         </p:txBody>
       </p:sp>
@@ -30763,7 +30711,7 @@
           </a:ln>
           <a:extLst>
             <a:ext uri="{C572A759-6A51-4108-AA02-DFA0A04FC94B}">
-              <ma14:wrappingTextBoxFlag xmlns="" xmlns:ma14="http://schemas.microsoft.com/office/mac/drawingml/2011/main" xmlns:a14="http://schemas.microsoft.com/office/drawing/2010/main" xmlns:m="http://schemas.openxmlformats.org/officeDocument/2006/math" val="1"/>
+              <ma14:wrappingTextBoxFlag xmlns:m="http://schemas.openxmlformats.org/officeDocument/2006/math" xmlns:a14="http://schemas.microsoft.com/office/drawing/2010/main" xmlns:ma14="http://schemas.microsoft.com/office/mac/drawingml/2011/main" xmlns="" val="1"/>
             </a:ext>
           </a:extLst>
         </p:spPr>
@@ -46642,8 +46590,8 @@
           </a:prstGeom>
         </p:spPr>
       </p:pic>
-      <mc:AlternateContent xmlns:mc="http://schemas.openxmlformats.org/markup-compatibility/2006">
-        <mc:Choice xmlns:a14="http://schemas.microsoft.com/office/drawing/2010/main" Requires="a14">
+      <mc:AlternateContent xmlns:mc="http://schemas.openxmlformats.org/markup-compatibility/2006" xmlns:a14="http://schemas.microsoft.com/office/drawing/2010/main">
+        <mc:Choice Requires="a14">
           <p:sp>
             <p:nvSpPr>
               <p:cNvPr id="3" name="Text Placeholder 2">
@@ -46711,7 +46659,7 @@
             </p:txBody>
           </p:sp>
         </mc:Choice>
-        <mc:Fallback>
+        <mc:Fallback xmlns="">
           <p:sp>
             <p:nvSpPr>
               <p:cNvPr id="3" name="Text Placeholder 2">
@@ -46814,8 +46762,8 @@
           </a:p>
         </p:txBody>
       </p:sp>
-      <mc:AlternateContent xmlns:mc="http://schemas.openxmlformats.org/markup-compatibility/2006">
-        <mc:Choice xmlns:a14="http://schemas.microsoft.com/office/drawing/2010/main" Requires="a14">
+      <mc:AlternateContent xmlns:mc="http://schemas.openxmlformats.org/markup-compatibility/2006" xmlns:a14="http://schemas.microsoft.com/office/drawing/2010/main">
+        <mc:Choice Requires="a14">
           <p:sp>
             <p:nvSpPr>
               <p:cNvPr id="3" name="Text Placeholder 2">
@@ -48964,7 +48912,7 @@
             </p:txBody>
           </p:sp>
         </mc:Choice>
-        <mc:Fallback>
+        <mc:Fallback xmlns="">
           <p:sp>
             <p:nvSpPr>
               <p:cNvPr id="3" name="Text Placeholder 2">
@@ -49019,7 +48967,7 @@
 </file>
 
 <file path=ppt/slides/slide3.xml><?xml version="1.0" encoding="utf-8"?>
-<p:sld xmlns:a="http://schemas.openxmlformats.org/drawingml/2006/main" xmlns:r="http://schemas.openxmlformats.org/officeDocument/2006/relationships" xmlns:p="http://schemas.openxmlformats.org/presentationml/2006/main">
+<p:sld xmlns:a="http://schemas.openxmlformats.org/drawingml/2006/main" xmlns:r="http://schemas.openxmlformats.org/officeDocument/2006/relationships" xmlns:p="http://schemas.openxmlformats.org/presentationml/2006/main" show="0">
   <p:cSld>
     <p:spTree>
       <p:nvGrpSpPr>
@@ -49054,7 +49002,7 @@
           </a:ln>
           <a:extLst>
             <a:ext uri="{C572A759-6A51-4108-AA02-DFA0A04FC94B}">
-              <ma14:wrappingTextBoxFlag xmlns="" xmlns:ma14="http://schemas.microsoft.com/office/mac/drawingml/2011/main" xmlns:a14="http://schemas.microsoft.com/office/drawing/2010/main" xmlns:m="http://schemas.openxmlformats.org/officeDocument/2006/math" val="1"/>
+              <ma14:wrappingTextBoxFlag xmlns:m="http://schemas.openxmlformats.org/officeDocument/2006/math" xmlns:a14="http://schemas.microsoft.com/office/drawing/2010/main" xmlns:ma14="http://schemas.microsoft.com/office/mac/drawingml/2011/main" xmlns="" val="1"/>
             </a:ext>
           </a:extLst>
         </p:spPr>
@@ -49170,7 +49118,7 @@
           </a:ln>
           <a:extLst>
             <a:ext uri="{C572A759-6A51-4108-AA02-DFA0A04FC94B}">
-              <ma14:wrappingTextBoxFlag xmlns="" xmlns:ma14="http://schemas.microsoft.com/office/mac/drawingml/2011/main" xmlns:a14="http://schemas.microsoft.com/office/drawing/2010/main" xmlns:m="http://schemas.openxmlformats.org/officeDocument/2006/math" val="1"/>
+              <ma14:wrappingTextBoxFlag xmlns:m="http://schemas.openxmlformats.org/officeDocument/2006/math" xmlns:a14="http://schemas.microsoft.com/office/drawing/2010/main" xmlns:ma14="http://schemas.microsoft.com/office/mac/drawingml/2011/main" xmlns="" val="1"/>
             </a:ext>
           </a:extLst>
         </p:spPr>
@@ -49264,7 +49212,7 @@
           </a:ln>
           <a:extLst>
             <a:ext uri="{C572A759-6A51-4108-AA02-DFA0A04FC94B}">
-              <ma14:wrappingTextBoxFlag xmlns="" xmlns:ma14="http://schemas.microsoft.com/office/mac/drawingml/2011/main" xmlns:a14="http://schemas.microsoft.com/office/drawing/2010/main" xmlns:m="http://schemas.openxmlformats.org/officeDocument/2006/math" val="1"/>
+              <ma14:wrappingTextBoxFlag xmlns:m="http://schemas.openxmlformats.org/officeDocument/2006/math" xmlns:a14="http://schemas.microsoft.com/office/drawing/2010/main" xmlns:ma14="http://schemas.microsoft.com/office/mac/drawingml/2011/main" xmlns="" val="1"/>
             </a:ext>
           </a:extLst>
         </p:spPr>
@@ -49401,7 +49349,7 @@
           </a:ln>
           <a:extLst>
             <a:ext uri="{C572A759-6A51-4108-AA02-DFA0A04FC94B}">
-              <ma14:wrappingTextBoxFlag xmlns="" xmlns:ma14="http://schemas.microsoft.com/office/mac/drawingml/2011/main" xmlns:a14="http://schemas.microsoft.com/office/drawing/2010/main" xmlns:m="http://schemas.openxmlformats.org/officeDocument/2006/math" val="1"/>
+              <ma14:wrappingTextBoxFlag xmlns:m="http://schemas.openxmlformats.org/officeDocument/2006/math" xmlns:a14="http://schemas.microsoft.com/office/drawing/2010/main" xmlns:ma14="http://schemas.microsoft.com/office/mac/drawingml/2011/main" xmlns="" val="1"/>
             </a:ext>
           </a:extLst>
         </p:spPr>
@@ -49480,7 +49428,7 @@
 </file>
 
 <file path=ppt/slides/slide4.xml><?xml version="1.0" encoding="utf-8"?>
-<p:sld xmlns:a="http://schemas.openxmlformats.org/drawingml/2006/main" xmlns:r="http://schemas.openxmlformats.org/officeDocument/2006/relationships" xmlns:p="http://schemas.openxmlformats.org/presentationml/2006/main">
+<p:sld xmlns:a="http://schemas.openxmlformats.org/drawingml/2006/main" xmlns:r="http://schemas.openxmlformats.org/officeDocument/2006/relationships" xmlns:p="http://schemas.openxmlformats.org/presentationml/2006/main" show="0">
   <p:cSld>
     <p:spTree>
       <p:nvGrpSpPr>
@@ -49515,7 +49463,7 @@
           </a:ln>
           <a:extLst>
             <a:ext uri="{C572A759-6A51-4108-AA02-DFA0A04FC94B}">
-              <ma14:wrappingTextBoxFlag xmlns="" xmlns:ma14="http://schemas.microsoft.com/office/mac/drawingml/2011/main" xmlns:a14="http://schemas.microsoft.com/office/drawing/2010/main" xmlns:m="http://schemas.openxmlformats.org/officeDocument/2006/math" val="1"/>
+              <ma14:wrappingTextBoxFlag xmlns:m="http://schemas.openxmlformats.org/officeDocument/2006/math" xmlns:a14="http://schemas.microsoft.com/office/drawing/2010/main" xmlns:ma14="http://schemas.microsoft.com/office/mac/drawingml/2011/main" xmlns="" val="1"/>
             </a:ext>
           </a:extLst>
         </p:spPr>
@@ -49701,7 +49649,7 @@
         <p:spPr>
           <a:xfrm>
             <a:off x="404946" y="248441"/>
-            <a:ext cx="9487990" cy="2047239"/>
+            <a:ext cx="9487990" cy="1200325"/>
           </a:xfrm>
           <a:prstGeom prst="rect">
             <a:avLst/>
@@ -49711,7 +49659,7 @@
           </a:ln>
           <a:extLst>
             <a:ext uri="{C572A759-6A51-4108-AA02-DFA0A04FC94B}">
-              <ma14:wrappingTextBoxFlag xmlns="" xmlns:ma14="http://schemas.microsoft.com/office/mac/drawingml/2011/main" xmlns:a14="http://schemas.microsoft.com/office/drawing/2010/main" xmlns:m="http://schemas.openxmlformats.org/officeDocument/2006/math" val="1"/>
+              <ma14:wrappingTextBoxFlag xmlns:m="http://schemas.openxmlformats.org/officeDocument/2006/math" xmlns:a14="http://schemas.microsoft.com/office/drawing/2010/main" xmlns:ma14="http://schemas.microsoft.com/office/mac/drawingml/2011/main" xmlns="" val="1"/>
             </a:ext>
           </a:extLst>
         </p:spPr>
@@ -49733,10 +49681,19 @@
               </a:defRPr>
             </a:pPr>
             <a:r>
-              <a:t>Se le configurazioni </a:t>
-            </a:r>
-            <a:r>
-              <a:rPr>
+              <a:rPr dirty="0"/>
+              <a:t>Se le </a:t>
+            </a:r>
+            <a:r>
+              <a:rPr dirty="0" err="1"/>
+              <a:t>configurazioni</a:t>
+            </a:r>
+            <a:r>
+              <a:rPr dirty="0"/>
+              <a:t> </a:t>
+            </a:r>
+            <a:r>
+              <a:rPr dirty="0">
                 <a:latin typeface="MJXc-TeX-script-R"/>
                 <a:ea typeface="MJXc-TeX-script-R"/>
                 <a:cs typeface="MJXc-TeX-script-R"/>
@@ -49745,10 +49702,11 @@
               <a:t>C</a:t>
             </a:r>
             <a:r>
+              <a:rPr dirty="0"/>
               <a:t> e </a:t>
             </a:r>
             <a:r>
-              <a:rPr>
+              <a:rPr dirty="0">
                 <a:latin typeface="MJXc-TeX-script-R"/>
                 <a:ea typeface="MJXc-TeX-script-R"/>
                 <a:cs typeface="MJXc-TeX-script-R"/>
@@ -49757,7 +49715,7 @@
               <a:t>C</a:t>
             </a:r>
             <a:r>
-              <a:rPr>
+              <a:rPr dirty="0">
                 <a:latin typeface="MJXc-TeX-main-R"/>
                 <a:ea typeface="MJXc-TeX-main-R"/>
                 <a:cs typeface="MJXc-TeX-main-R"/>
@@ -49766,42 +49724,442 @@
               <a:t>′</a:t>
             </a:r>
             <a:r>
-              <a:t> sono molto vicine, come è lecito supporre nello studio di molte applicazioni strutturali in ambito civile, si dice che lo spostamento del corpo rigido, definito nel paragrafo precedente, è infinitesimo. In questo caso (ipotesi dei ‘piccoli’ spostamenti) è possibile introdurre notevoli semplificazioni. In primo luogo si consideri una rotazione </a:t>
-            </a:r>
-            <a:r>
-              <a:rPr i="1"/>
-              <a:t>infinitesima</a:t>
-            </a:r>
-            <a:r>
-              <a:t> del corpo rigido intorno ad un asse fisso passante per il punto </a:t>
-            </a:r>
-            <a:r>
-              <a:rPr i="1"/>
+              <a:rPr dirty="0"/>
+              <a:t> </a:t>
+            </a:r>
+            <a:r>
+              <a:rPr dirty="0" err="1"/>
+              <a:t>sono</a:t>
+            </a:r>
+            <a:r>
+              <a:rPr dirty="0"/>
+              <a:t> molto vicine, come </a:t>
+            </a:r>
+            <a:r>
+              <a:rPr dirty="0" err="1"/>
+              <a:t>è</a:t>
+            </a:r>
+            <a:r>
+              <a:rPr dirty="0"/>
+              <a:t> </a:t>
+            </a:r>
+            <a:r>
+              <a:rPr dirty="0" err="1"/>
+              <a:t>lecito</a:t>
+            </a:r>
+            <a:r>
+              <a:rPr dirty="0"/>
+              <a:t> </a:t>
+            </a:r>
+            <a:r>
+              <a:rPr dirty="0" err="1"/>
+              <a:t>supporre</a:t>
+            </a:r>
+            <a:r>
+              <a:rPr dirty="0"/>
+              <a:t> </a:t>
+            </a:r>
+            <a:r>
+              <a:rPr dirty="0" err="1"/>
+              <a:t>nello</a:t>
+            </a:r>
+            <a:r>
+              <a:rPr dirty="0"/>
+              <a:t> studio di </a:t>
+            </a:r>
+            <a:r>
+              <a:rPr dirty="0" err="1"/>
+              <a:t>molte</a:t>
+            </a:r>
+            <a:r>
+              <a:rPr dirty="0"/>
+              <a:t> </a:t>
+            </a:r>
+            <a:r>
+              <a:rPr dirty="0" err="1"/>
+              <a:t>applicazioni</a:t>
+            </a:r>
+            <a:r>
+              <a:rPr dirty="0"/>
+              <a:t> </a:t>
+            </a:r>
+            <a:r>
+              <a:rPr dirty="0" err="1"/>
+              <a:t>strutturali</a:t>
+            </a:r>
+            <a:r>
+              <a:rPr dirty="0"/>
+              <a:t> in </a:t>
+            </a:r>
+            <a:r>
+              <a:rPr dirty="0" err="1"/>
+              <a:t>ambito</a:t>
+            </a:r>
+            <a:r>
+              <a:rPr dirty="0"/>
+              <a:t> </a:t>
+            </a:r>
+            <a:r>
+              <a:rPr lang="en-US" dirty="0" err="1"/>
+              <a:t>ingegneristico</a:t>
+            </a:r>
+            <a:r>
+              <a:rPr dirty="0"/>
+              <a:t>, </a:t>
+            </a:r>
+            <a:r>
+              <a:rPr dirty="0" err="1"/>
+              <a:t>si</a:t>
+            </a:r>
+            <a:r>
+              <a:rPr dirty="0"/>
+              <a:t> dice </a:t>
+            </a:r>
+            <a:r>
+              <a:rPr dirty="0" err="1"/>
+              <a:t>che</a:t>
+            </a:r>
+            <a:r>
+              <a:rPr dirty="0"/>
+              <a:t> lo </a:t>
+            </a:r>
+            <a:r>
+              <a:rPr dirty="0" err="1"/>
+              <a:t>spostamento</a:t>
+            </a:r>
+            <a:r>
+              <a:rPr dirty="0"/>
+              <a:t> del </a:t>
+            </a:r>
+            <a:r>
+              <a:rPr dirty="0" err="1"/>
+              <a:t>corpo</a:t>
+            </a:r>
+            <a:r>
+              <a:rPr dirty="0"/>
+              <a:t> </a:t>
+            </a:r>
+            <a:r>
+              <a:rPr dirty="0" err="1"/>
+              <a:t>rigido</a:t>
+            </a:r>
+            <a:r>
+              <a:rPr dirty="0"/>
+              <a:t>, </a:t>
+            </a:r>
+            <a:r>
+              <a:rPr dirty="0" err="1"/>
+              <a:t>definito</a:t>
+            </a:r>
+            <a:r>
+              <a:rPr dirty="0"/>
+              <a:t> </a:t>
+            </a:r>
+            <a:r>
+              <a:rPr dirty="0" err="1"/>
+              <a:t>nel</a:t>
+            </a:r>
+            <a:r>
+              <a:rPr dirty="0"/>
+              <a:t> </a:t>
+            </a:r>
+            <a:r>
+              <a:rPr dirty="0" err="1"/>
+              <a:t>paragrafo</a:t>
+            </a:r>
+            <a:r>
+              <a:rPr dirty="0"/>
+              <a:t> </a:t>
+            </a:r>
+            <a:r>
+              <a:rPr dirty="0" err="1"/>
+              <a:t>precedente</a:t>
+            </a:r>
+            <a:r>
+              <a:rPr dirty="0"/>
+              <a:t>, </a:t>
+            </a:r>
+            <a:r>
+              <a:rPr dirty="0" err="1"/>
+              <a:t>è</a:t>
+            </a:r>
+            <a:r>
+              <a:rPr dirty="0"/>
+              <a:t> </a:t>
+            </a:r>
+            <a:r>
+              <a:rPr dirty="0" err="1"/>
+              <a:t>infinitesimo</a:t>
+            </a:r>
+            <a:r>
+              <a:rPr dirty="0"/>
+              <a:t>. In </a:t>
+            </a:r>
+            <a:r>
+              <a:rPr dirty="0" err="1"/>
+              <a:t>questo</a:t>
+            </a:r>
+            <a:r>
+              <a:rPr dirty="0"/>
+              <a:t> </a:t>
+            </a:r>
+            <a:r>
+              <a:rPr dirty="0" err="1"/>
+              <a:t>caso</a:t>
+            </a:r>
+            <a:r>
+              <a:rPr dirty="0"/>
+              <a:t> (</a:t>
+            </a:r>
+            <a:r>
+              <a:rPr dirty="0" err="1"/>
+              <a:t>ipotesi</a:t>
+            </a:r>
+            <a:r>
+              <a:rPr dirty="0"/>
+              <a:t> </a:t>
+            </a:r>
+            <a:r>
+              <a:rPr dirty="0" err="1"/>
+              <a:t>dei</a:t>
+            </a:r>
+            <a:r>
+              <a:rPr dirty="0"/>
+              <a:t> ‘</a:t>
+            </a:r>
+            <a:r>
+              <a:rPr dirty="0" err="1"/>
+              <a:t>piccoli</a:t>
+            </a:r>
+            <a:r>
+              <a:rPr dirty="0"/>
+              <a:t>’ </a:t>
+            </a:r>
+            <a:r>
+              <a:rPr dirty="0" err="1"/>
+              <a:t>spostamenti</a:t>
+            </a:r>
+            <a:r>
+              <a:rPr dirty="0"/>
+              <a:t>) lo </a:t>
+            </a:r>
+            <a:r>
+              <a:rPr dirty="0" err="1"/>
+              <a:t>spostamento</a:t>
+            </a:r>
+            <a:r>
+              <a:rPr dirty="0"/>
+              <a:t> di un </a:t>
+            </a:r>
+            <a:r>
+              <a:rPr dirty="0" err="1"/>
+              <a:t>generico</a:t>
+            </a:r>
+            <a:r>
+              <a:rPr dirty="0"/>
+              <a:t> punto </a:t>
+            </a:r>
+            <a:r>
+              <a:rPr i="1" dirty="0"/>
+              <a:t>P</a:t>
+            </a:r>
+            <a:r>
+              <a:rPr dirty="0"/>
+              <a:t> del </a:t>
+            </a:r>
+            <a:r>
+              <a:rPr dirty="0" err="1"/>
+              <a:t>corpo</a:t>
+            </a:r>
+            <a:r>
+              <a:rPr dirty="0"/>
+              <a:t> </a:t>
+            </a:r>
+            <a:r>
+              <a:rPr dirty="0" err="1"/>
+              <a:t>si</a:t>
+            </a:r>
+            <a:r>
+              <a:rPr dirty="0"/>
+              <a:t> </a:t>
+            </a:r>
+            <a:r>
+              <a:rPr dirty="0" err="1"/>
+              <a:t>esprime</a:t>
+            </a:r>
+            <a:r>
+              <a:rPr dirty="0"/>
+              <a:t>:</a:t>
+            </a:r>
+          </a:p>
+        </p:txBody>
+      </p:sp>
+      <p:sp>
+        <p:nvSpPr>
+          <p:cNvPr id="121" name="TextBox 10"/>
+          <p:cNvSpPr txBox="1"/>
+          <p:nvPr/>
+        </p:nvSpPr>
+        <p:spPr>
+          <a:xfrm>
+            <a:off x="404946" y="2162554"/>
+            <a:ext cx="6004562" cy="973073"/>
+          </a:xfrm>
+          <a:prstGeom prst="rect">
+            <a:avLst/>
+          </a:prstGeom>
+          <a:ln w="12700">
+            <a:miter lim="400000"/>
+          </a:ln>
+          <a:extLst>
+            <a:ext uri="{C572A759-6A51-4108-AA02-DFA0A04FC94B}">
+              <ma14:wrappingTextBoxFlag xmlns:m="http://schemas.openxmlformats.org/officeDocument/2006/math" xmlns:a14="http://schemas.microsoft.com/office/drawing/2010/main" xmlns:ma14="http://schemas.microsoft.com/office/mac/drawingml/2011/main" xmlns="" val="1"/>
+            </a:ext>
+          </a:extLst>
+        </p:spPr>
+        <p:txBody>
+          <a:bodyPr lIns="45718" tIns="45718" rIns="45718" bIns="45718">
+            <a:spAutoFit/>
+          </a:bodyPr>
+          <a:lstStyle/>
+          <a:p>
+            <a:pPr>
+              <a:defRPr>
+                <a:solidFill>
+                  <a:srgbClr val="131313"/>
+                </a:solidFill>
+                <a:latin typeface="freight-text-pro"/>
+                <a:ea typeface="freight-text-pro"/>
+                <a:cs typeface="freight-text-pro"/>
+                <a:sym typeface="freight-text-pro"/>
+              </a:defRPr>
+            </a:pPr>
+            <a:r>
+              <a:rPr dirty="0"/>
+              <a:t>dove </a:t>
+            </a:r>
+            <a:r>
+              <a:rPr b="1" dirty="0" err="1"/>
+              <a:t>u</a:t>
+            </a:r>
+            <a:r>
+              <a:rPr i="1" baseline="-25000" dirty="0" err="1"/>
               <a:t>O</a:t>
             </a:r>
             <a:r>
-              <a:t>: in tal caso, lo spostamento di un generico punto </a:t>
-            </a:r>
-            <a:r>
-              <a:rPr i="1"/>
-              <a:t>P</a:t>
-            </a:r>
-            <a:r>
-              <a:t> del corpo è perpendicolare alla direzione </a:t>
-            </a:r>
-            <a:r>
-              <a:rPr i="1"/>
-              <a:t>OP</a:t>
-            </a:r>
-            <a:r>
-              <a:t> e si esprime:</a:t>
+              <a:rPr dirty="0"/>
+              <a:t> </a:t>
+            </a:r>
+            <a:r>
+              <a:rPr dirty="0" err="1"/>
+              <a:t>è</a:t>
+            </a:r>
+            <a:r>
+              <a:rPr dirty="0"/>
+              <a:t> lo </a:t>
+            </a:r>
+            <a:r>
+              <a:rPr dirty="0" err="1"/>
+              <a:t>spostamento</a:t>
+            </a:r>
+            <a:r>
+              <a:rPr dirty="0"/>
+              <a:t> di un punto </a:t>
+            </a:r>
+            <a:r>
+              <a:rPr i="1" dirty="0"/>
+              <a:t>O</a:t>
+            </a:r>
+            <a:r>
+              <a:rPr dirty="0"/>
+              <a:t> </a:t>
+            </a:r>
+            <a:r>
+              <a:rPr dirty="0" err="1"/>
+              <a:t>solidale</a:t>
+            </a:r>
+            <a:r>
+              <a:rPr dirty="0"/>
+              <a:t> al </a:t>
+            </a:r>
+            <a:r>
+              <a:rPr dirty="0" err="1"/>
+              <a:t>corpo</a:t>
+            </a:r>
+            <a:r>
+              <a:rPr dirty="0"/>
+              <a:t> </a:t>
+            </a:r>
+            <a:r>
+              <a:rPr dirty="0" err="1"/>
+              <a:t>scelto</a:t>
+            </a:r>
+            <a:r>
+              <a:rPr dirty="0"/>
+              <a:t> in modo </a:t>
+            </a:r>
+            <a:r>
+              <a:rPr dirty="0" err="1"/>
+              <a:t>arbitrario</a:t>
+            </a:r>
+            <a:r>
+              <a:rPr dirty="0"/>
+              <a:t>, </a:t>
+            </a:r>
+            <a:r>
+              <a:rPr dirty="0" err="1"/>
+              <a:t>mentre</a:t>
+            </a:r>
+            <a:r>
+              <a:rPr dirty="0"/>
+              <a:t> </a:t>
+            </a:r>
+            <a:r>
+              <a:rPr b="1" dirty="0" err="1"/>
+              <a:t>θ</a:t>
+            </a:r>
+            <a:r>
+              <a:rPr dirty="0"/>
+              <a:t> </a:t>
+            </a:r>
+            <a:r>
+              <a:rPr dirty="0" err="1"/>
+              <a:t>è</a:t>
+            </a:r>
+            <a:r>
+              <a:rPr dirty="0"/>
+              <a:t> il </a:t>
+            </a:r>
+            <a:r>
+              <a:rPr dirty="0" err="1"/>
+              <a:t>vettore</a:t>
+            </a:r>
+            <a:r>
+              <a:rPr dirty="0"/>
+              <a:t> </a:t>
+            </a:r>
+            <a:r>
+              <a:rPr dirty="0" err="1"/>
+              <a:t>della</a:t>
+            </a:r>
+            <a:r>
+              <a:rPr dirty="0"/>
+              <a:t> </a:t>
+            </a:r>
+            <a:r>
+              <a:rPr dirty="0" err="1"/>
+              <a:t>rotazione</a:t>
+            </a:r>
+            <a:r>
+              <a:rPr dirty="0"/>
+              <a:t>.</a:t>
             </a:r>
           </a:p>
         </p:txBody>
       </p:sp>
       <p:pic>
         <p:nvPicPr>
-          <p:cNvPr id="119" name="Picture 5" descr="Picture 5"/>
+          <p:cNvPr id="122" name="Picture 1" descr="Picture 1"/>
           <p:cNvPicPr>
             <a:picLocks noChangeAspect="1"/>
           </p:cNvPicPr>
@@ -49815,317 +50173,7 @@
         </p:blipFill>
         <p:spPr>
           <a:xfrm>
-            <a:off x="3532413" y="1959430"/>
-            <a:ext cx="2057402" cy="774702"/>
-          </a:xfrm>
-          <a:prstGeom prst="rect">
-            <a:avLst/>
-          </a:prstGeom>
-          <a:ln w="12700">
-            <a:miter lim="400000"/>
-          </a:ln>
-        </p:spPr>
-      </p:pic>
-      <p:sp>
-        <p:nvSpPr>
-          <p:cNvPr id="120" name="TextBox 7"/>
-          <p:cNvSpPr txBox="1"/>
-          <p:nvPr/>
-        </p:nvSpPr>
-        <p:spPr>
-          <a:xfrm>
-            <a:off x="404946" y="2734131"/>
-            <a:ext cx="6004562" cy="1793586"/>
-          </a:xfrm>
-          <a:prstGeom prst="rect">
-            <a:avLst/>
-          </a:prstGeom>
-          <a:ln w="12700">
-            <a:miter lim="400000"/>
-          </a:ln>
-          <a:extLst>
-            <a:ext uri="{C572A759-6A51-4108-AA02-DFA0A04FC94B}">
-              <ma14:wrappingTextBoxFlag xmlns="" xmlns:ma14="http://schemas.microsoft.com/office/mac/drawingml/2011/main" xmlns:a14="http://schemas.microsoft.com/office/drawing/2010/main" xmlns:m="http://schemas.openxmlformats.org/officeDocument/2006/math" val="1"/>
-            </a:ext>
-          </a:extLst>
-        </p:spPr>
-        <p:txBody>
-          <a:bodyPr lIns="45718" tIns="45718" rIns="45718" bIns="45718">
-            <a:spAutoFit/>
-          </a:bodyPr>
-          <a:lstStyle/>
-          <a:p>
-            <a:pPr>
-              <a:defRPr>
-                <a:solidFill>
-                  <a:srgbClr val="131313"/>
-                </a:solidFill>
-                <a:latin typeface="+mj-lt"/>
-                <a:ea typeface="+mj-ea"/>
-                <a:cs typeface="+mj-cs"/>
-                <a:sym typeface="Calibri"/>
-              </a:defRPr>
-            </a:pPr>
-            <a:r>
-              <a:t>Di </a:t>
-            </a:r>
-            <a:r>
-              <a:rPr err="1"/>
-              <a:t>conseguenza</a:t>
-            </a:r>
-            <a:r>
-              <a:t>, </a:t>
-            </a:r>
-            <a:r>
-              <a:rPr err="1"/>
-              <a:t>poiché</a:t>
-            </a:r>
-            <a:r>
-              <a:t> </a:t>
-            </a:r>
-            <a:r>
-              <a:rPr err="1"/>
-              <a:t>si</a:t>
-            </a:r>
-            <a:r>
-              <a:t> </a:t>
-            </a:r>
-            <a:r>
-              <a:rPr err="1"/>
-              <a:t>è</a:t>
-            </a:r>
-            <a:r>
-              <a:t> visto </a:t>
-            </a:r>
-            <a:r>
-              <a:rPr err="1"/>
-              <a:t>che</a:t>
-            </a:r>
-            <a:r>
-              <a:t> il </a:t>
-            </a:r>
-            <a:r>
-              <a:rPr err="1"/>
-              <a:t>generico</a:t>
-            </a:r>
-            <a:r>
-              <a:t> </a:t>
-            </a:r>
-            <a:r>
-              <a:rPr err="1"/>
-              <a:t>spostamento</a:t>
-            </a:r>
-            <a:r>
-              <a:t> </a:t>
-            </a:r>
-            <a:r>
-              <a:rPr err="1"/>
-              <a:t>rigido</a:t>
-            </a:r>
-            <a:r>
-              <a:t> </a:t>
-            </a:r>
-            <a:r>
-              <a:rPr err="1"/>
-              <a:t>è</a:t>
-            </a:r>
-            <a:r>
-              <a:t> sempre </a:t>
-            </a:r>
-            <a:r>
-              <a:rPr err="1"/>
-              <a:t>riconducibile</a:t>
-            </a:r>
-            <a:r>
-              <a:t> a </a:t>
-            </a:r>
-            <a:r>
-              <a:rPr err="1"/>
-              <a:t>una</a:t>
-            </a:r>
-            <a:r>
-              <a:t> </a:t>
-            </a:r>
-            <a:r>
-              <a:rPr err="1"/>
-              <a:t>rototraslazione</a:t>
-            </a:r>
-            <a:r>
-              <a:t>, </a:t>
-            </a:r>
-            <a:r>
-              <a:rPr err="1"/>
-              <a:t>si</a:t>
-            </a:r>
-            <a:r>
-              <a:t> </a:t>
-            </a:r>
-            <a:r>
-              <a:rPr err="1"/>
-              <a:t>avrà</a:t>
-            </a:r>
-            <a:r>
-              <a:t> </a:t>
-            </a:r>
-            <a:r>
-              <a:rPr err="1"/>
-              <a:t>nei</a:t>
-            </a:r>
-            <a:r>
-              <a:t> </a:t>
-            </a:r>
-            <a:r>
-              <a:rPr err="1"/>
-              <a:t>casi</a:t>
-            </a:r>
-            <a:r>
-              <a:t> </a:t>
-            </a:r>
-            <a:r>
-              <a:rPr err="1"/>
-              <a:t>generali</a:t>
-            </a:r>
-            <a:endParaRPr/>
-          </a:p>
-          <a:p>
-            <a:pPr algn="ctr">
-              <a:defRPr b="1">
-                <a:solidFill>
-                  <a:srgbClr val="FFFFFF"/>
-                </a:solidFill>
-                <a:latin typeface="+mj-lt"/>
-                <a:ea typeface="+mj-ea"/>
-                <a:cs typeface="+mj-cs"/>
-                <a:sym typeface="Calibri"/>
-              </a:defRPr>
-            </a:pPr>
-            <a:r>
-              <a:t>(2.6)</a:t>
-            </a:r>
-          </a:p>
-          <a:p>
-            <a:pPr>
-              <a:defRPr>
-                <a:solidFill>
-                  <a:srgbClr val="131313"/>
-                </a:solidFill>
-                <a:latin typeface="freight-text-pro"/>
-                <a:ea typeface="freight-text-pro"/>
-                <a:cs typeface="freight-text-pro"/>
-                <a:sym typeface="freight-text-pro"/>
-              </a:defRPr>
-            </a:pPr>
-            <a:br>
-              <a:rPr b="1">
-                <a:solidFill>
-                  <a:srgbClr val="FFFFFF"/>
-                </a:solidFill>
-                <a:latin typeface="+mj-lt"/>
-                <a:ea typeface="+mj-ea"/>
-                <a:cs typeface="+mj-cs"/>
-                <a:sym typeface="Calibri"/>
-              </a:rPr>
-            </a:br>
-            <a:endParaRPr b="1">
-              <a:solidFill>
-                <a:srgbClr val="FFFFFF"/>
-              </a:solidFill>
-              <a:latin typeface="+mj-lt"/>
-              <a:ea typeface="+mj-ea"/>
-              <a:cs typeface="+mj-cs"/>
-              <a:sym typeface="Calibri"/>
-            </a:endParaRPr>
-          </a:p>
-        </p:txBody>
-      </p:sp>
-      <p:sp>
-        <p:nvSpPr>
-          <p:cNvPr id="121" name="TextBox 10"/>
-          <p:cNvSpPr txBox="1"/>
-          <p:nvPr/>
-        </p:nvSpPr>
-        <p:spPr>
-          <a:xfrm>
-            <a:off x="404946" y="4165290"/>
-            <a:ext cx="6004562" cy="973073"/>
-          </a:xfrm>
-          <a:prstGeom prst="rect">
-            <a:avLst/>
-          </a:prstGeom>
-          <a:ln w="12700">
-            <a:miter lim="400000"/>
-          </a:ln>
-          <a:extLst>
-            <a:ext uri="{C572A759-6A51-4108-AA02-DFA0A04FC94B}">
-              <ma14:wrappingTextBoxFlag xmlns="" xmlns:ma14="http://schemas.microsoft.com/office/mac/drawingml/2011/main" xmlns:a14="http://schemas.microsoft.com/office/drawing/2010/main" xmlns:m="http://schemas.openxmlformats.org/officeDocument/2006/math" val="1"/>
-            </a:ext>
-          </a:extLst>
-        </p:spPr>
-        <p:txBody>
-          <a:bodyPr lIns="45718" tIns="45718" rIns="45718" bIns="45718">
-            <a:spAutoFit/>
-          </a:bodyPr>
-          <a:lstStyle/>
-          <a:p>
-            <a:pPr>
-              <a:defRPr>
-                <a:solidFill>
-                  <a:srgbClr val="131313"/>
-                </a:solidFill>
-                <a:latin typeface="freight-text-pro"/>
-                <a:ea typeface="freight-text-pro"/>
-                <a:cs typeface="freight-text-pro"/>
-                <a:sym typeface="freight-text-pro"/>
-              </a:defRPr>
-            </a:pPr>
-            <a:r>
-              <a:t>dove </a:t>
-            </a:r>
-            <a:r>
-              <a:rPr b="1"/>
-              <a:t>u</a:t>
-            </a:r>
-            <a:r>
-              <a:rPr i="1" baseline="-25000"/>
-              <a:t>O</a:t>
-            </a:r>
-            <a:r>
-              <a:t> è lo spostamento di un punto </a:t>
-            </a:r>
-            <a:r>
-              <a:rPr i="1"/>
-              <a:t>O</a:t>
-            </a:r>
-            <a:r>
-              <a:t> solidale al corpo scelto in modo arbitrario, mentre </a:t>
-            </a:r>
-            <a:r>
-              <a:rPr b="1"/>
-              <a:t>θ</a:t>
-            </a:r>
-            <a:r>
-              <a:t> è il vettore della rotazione.</a:t>
-            </a:r>
-          </a:p>
-        </p:txBody>
-      </p:sp>
-      <p:pic>
-        <p:nvPicPr>
-          <p:cNvPr id="122" name="Picture 1" descr="Picture 1"/>
-          <p:cNvPicPr>
-            <a:picLocks noChangeAspect="1"/>
-          </p:cNvPicPr>
-          <p:nvPr/>
-        </p:nvPicPr>
-        <p:blipFill>
-          <a:blip r:embed="rId3"/>
-          <a:stretch>
-            <a:fillRect/>
-          </a:stretch>
-        </p:blipFill>
-        <p:spPr>
-          <a:xfrm>
-            <a:off x="1621062" y="3519611"/>
+            <a:off x="2273298" y="1448766"/>
             <a:ext cx="3822702" cy="660402"/>
           </a:xfrm>
           <a:prstGeom prst="rect">
@@ -50144,8 +50192,8 @@
         </p:nvSpPr>
         <p:spPr>
           <a:xfrm>
-            <a:off x="404945" y="4903952"/>
-            <a:ext cx="6875420" cy="2047239"/>
+            <a:off x="404946" y="3071517"/>
+            <a:ext cx="6875420" cy="3139317"/>
           </a:xfrm>
           <a:prstGeom prst="rect">
             <a:avLst/>
@@ -50155,7 +50203,7 @@
           </a:ln>
           <a:extLst>
             <a:ext uri="{C572A759-6A51-4108-AA02-DFA0A04FC94B}">
-              <ma14:wrappingTextBoxFlag xmlns="" xmlns:ma14="http://schemas.microsoft.com/office/mac/drawingml/2011/main" xmlns:a14="http://schemas.microsoft.com/office/drawing/2010/main" xmlns:m="http://schemas.openxmlformats.org/officeDocument/2006/math" val="1"/>
+              <ma14:wrappingTextBoxFlag xmlns:m="http://schemas.openxmlformats.org/officeDocument/2006/math" xmlns:a14="http://schemas.microsoft.com/office/drawing/2010/main" xmlns:ma14="http://schemas.microsoft.com/office/mac/drawingml/2011/main" xmlns="" val="1"/>
             </a:ext>
           </a:extLst>
         </p:spPr>
@@ -50177,64 +50225,503 @@
               </a:defRPr>
             </a:pPr>
             <a:r>
-              <a:t>L’Equazione (2.6) è detta</a:t>
-            </a:r>
-            <a:r>
-              <a:rPr b="1"/>
+              <a:rPr dirty="0" err="1"/>
+              <a:t>L’Equazione</a:t>
+            </a:r>
+            <a:r>
+              <a:rPr dirty="0"/>
+              <a:t> (2.6) </a:t>
+            </a:r>
+            <a:r>
+              <a:rPr dirty="0" err="1"/>
+              <a:t>è</a:t>
+            </a:r>
+            <a:r>
+              <a:rPr dirty="0"/>
+              <a:t> </a:t>
+            </a:r>
+            <a:r>
+              <a:rPr dirty="0" err="1"/>
+              <a:t>detta</a:t>
+            </a:r>
+            <a:r>
+              <a:rPr b="1" dirty="0"/>
               <a:t> </a:t>
             </a:r>
             <a:r>
-              <a:rPr b="1" i="1"/>
-              <a:t>formula generale dello spostamento rigido infinitesimo</a:t>
-            </a:r>
-            <a:r>
-              <a:t>, o, brevemente, formula generale dello spostamento. In tale formula lo spostamento del generico punto </a:t>
-            </a:r>
-            <a:r>
-              <a:rPr i="1"/>
+              <a:rPr b="1" i="1" dirty="0"/>
+              <a:t>formula </a:t>
+            </a:r>
+            <a:r>
+              <a:rPr b="1" i="1" dirty="0" err="1"/>
+              <a:t>generale</a:t>
+            </a:r>
+            <a:r>
+              <a:rPr b="1" i="1" dirty="0"/>
+              <a:t> </a:t>
+            </a:r>
+            <a:r>
+              <a:rPr b="1" i="1" dirty="0" err="1"/>
+              <a:t>dello</a:t>
+            </a:r>
+            <a:r>
+              <a:rPr b="1" i="1" dirty="0"/>
+              <a:t> </a:t>
+            </a:r>
+            <a:r>
+              <a:rPr b="1" i="1" dirty="0" err="1"/>
+              <a:t>spostamento</a:t>
+            </a:r>
+            <a:r>
+              <a:rPr b="1" i="1" dirty="0"/>
+              <a:t> </a:t>
+            </a:r>
+            <a:r>
+              <a:rPr b="1" i="1" dirty="0" err="1"/>
+              <a:t>rigido</a:t>
+            </a:r>
+            <a:r>
+              <a:rPr b="1" i="1" dirty="0"/>
+              <a:t> </a:t>
+            </a:r>
+            <a:r>
+              <a:rPr b="1" i="1" dirty="0" err="1"/>
+              <a:t>infinitesimo</a:t>
+            </a:r>
+            <a:r>
+              <a:rPr dirty="0"/>
+              <a:t>, o, </a:t>
+            </a:r>
+            <a:r>
+              <a:rPr dirty="0" err="1"/>
+              <a:t>brevemente</a:t>
+            </a:r>
+            <a:r>
+              <a:rPr dirty="0"/>
+              <a:t>, formula </a:t>
+            </a:r>
+            <a:r>
+              <a:rPr dirty="0" err="1"/>
+              <a:t>generale</a:t>
+            </a:r>
+            <a:r>
+              <a:rPr dirty="0"/>
+              <a:t> </a:t>
+            </a:r>
+            <a:r>
+              <a:rPr dirty="0" err="1"/>
+              <a:t>dello</a:t>
+            </a:r>
+            <a:r>
+              <a:rPr dirty="0"/>
+              <a:t> </a:t>
+            </a:r>
+            <a:r>
+              <a:rPr dirty="0" err="1"/>
+              <a:t>spostamento</a:t>
+            </a:r>
+            <a:r>
+              <a:rPr dirty="0"/>
+              <a:t>. </a:t>
+            </a:r>
+            <a:endParaRPr lang="en-US" dirty="0"/>
+          </a:p>
+          <a:p>
+            <a:pPr>
+              <a:defRPr>
+                <a:solidFill>
+                  <a:srgbClr val="131313"/>
+                </a:solidFill>
+                <a:latin typeface="freight-text-pro"/>
+                <a:ea typeface="freight-text-pro"/>
+                <a:cs typeface="freight-text-pro"/>
+                <a:sym typeface="freight-text-pro"/>
+              </a:defRPr>
+            </a:pPr>
+            <a:endParaRPr lang="en-IT" dirty="0"/>
+          </a:p>
+          <a:p>
+            <a:pPr>
+              <a:defRPr>
+                <a:solidFill>
+                  <a:srgbClr val="131313"/>
+                </a:solidFill>
+                <a:latin typeface="freight-text-pro"/>
+                <a:ea typeface="freight-text-pro"/>
+                <a:cs typeface="freight-text-pro"/>
+                <a:sym typeface="freight-text-pro"/>
+              </a:defRPr>
+            </a:pPr>
+            <a:r>
+              <a:rPr dirty="0"/>
+              <a:t>In tale formula lo </a:t>
+            </a:r>
+            <a:r>
+              <a:rPr dirty="0" err="1"/>
+              <a:t>spostamento</a:t>
+            </a:r>
+            <a:r>
+              <a:rPr dirty="0"/>
+              <a:t> del </a:t>
+            </a:r>
+            <a:r>
+              <a:rPr dirty="0" err="1"/>
+              <a:t>generico</a:t>
+            </a:r>
+            <a:r>
+              <a:rPr dirty="0"/>
+              <a:t> punto </a:t>
+            </a:r>
+            <a:r>
+              <a:rPr i="1" dirty="0"/>
               <a:t>P</a:t>
             </a:r>
             <a:r>
-              <a:t> è espresso in funzione dello spostamento del punto </a:t>
-            </a:r>
-            <a:r>
-              <a:rPr i="1"/>
+              <a:rPr dirty="0"/>
+              <a:t> </a:t>
+            </a:r>
+            <a:r>
+              <a:rPr dirty="0" err="1"/>
+              <a:t>è</a:t>
+            </a:r>
+            <a:r>
+              <a:rPr dirty="0"/>
+              <a:t> espresso in </a:t>
+            </a:r>
+            <a:r>
+              <a:rPr dirty="0" err="1"/>
+              <a:t>funzione</a:t>
+            </a:r>
+            <a:r>
+              <a:rPr dirty="0"/>
+              <a:t> </a:t>
+            </a:r>
+            <a:r>
+              <a:rPr dirty="0" err="1"/>
+              <a:t>dello</a:t>
+            </a:r>
+            <a:r>
+              <a:rPr dirty="0"/>
+              <a:t> </a:t>
+            </a:r>
+            <a:r>
+              <a:rPr dirty="0" err="1"/>
+              <a:t>spostamento</a:t>
+            </a:r>
+            <a:r>
+              <a:rPr dirty="0"/>
+              <a:t> del punto </a:t>
+            </a:r>
+            <a:r>
+              <a:rPr i="1" dirty="0"/>
               <a:t>O</a:t>
             </a:r>
             <a:r>
-              <a:t>, scelto arbitrariamente: </a:t>
-            </a:r>
-            <a:r>
-              <a:rPr b="1"/>
-              <a:t>si dice che gli spostamenti sono stati riferiti o </a:t>
-            </a:r>
-            <a:r>
-              <a:rPr b="1" i="1"/>
+              <a:rPr dirty="0"/>
+              <a:t>, </a:t>
+            </a:r>
+            <a:r>
+              <a:rPr dirty="0" err="1"/>
+              <a:t>scelto</a:t>
+            </a:r>
+            <a:r>
+              <a:rPr dirty="0"/>
+              <a:t> </a:t>
+            </a:r>
+            <a:r>
+              <a:rPr dirty="0" err="1"/>
+              <a:t>arbitrariamente</a:t>
+            </a:r>
+            <a:r>
+              <a:rPr dirty="0"/>
+              <a:t>: </a:t>
+            </a:r>
+            <a:r>
+              <a:rPr b="1" dirty="0" err="1"/>
+              <a:t>si</a:t>
+            </a:r>
+            <a:r>
+              <a:rPr b="1" dirty="0"/>
+              <a:t> dice </a:t>
+            </a:r>
+            <a:r>
+              <a:rPr b="1" dirty="0" err="1"/>
+              <a:t>che</a:t>
+            </a:r>
+            <a:r>
+              <a:rPr b="1" dirty="0"/>
+              <a:t> </a:t>
+            </a:r>
+            <a:r>
+              <a:rPr b="1" dirty="0" err="1"/>
+              <a:t>gli</a:t>
+            </a:r>
+            <a:r>
+              <a:rPr b="1" dirty="0"/>
+              <a:t> </a:t>
+            </a:r>
+            <a:r>
+              <a:rPr b="1" dirty="0" err="1"/>
+              <a:t>spostamenti</a:t>
+            </a:r>
+            <a:r>
+              <a:rPr b="1" dirty="0"/>
+              <a:t> </a:t>
+            </a:r>
+            <a:r>
+              <a:rPr b="1" dirty="0" err="1"/>
+              <a:t>sono</a:t>
+            </a:r>
+            <a:r>
+              <a:rPr b="1" dirty="0"/>
+              <a:t> </a:t>
+            </a:r>
+            <a:r>
+              <a:rPr b="1" dirty="0" err="1"/>
+              <a:t>stati</a:t>
+            </a:r>
+            <a:r>
+              <a:rPr b="1" dirty="0"/>
+              <a:t> </a:t>
+            </a:r>
+            <a:r>
+              <a:rPr b="1" dirty="0" err="1"/>
+              <a:t>riferiti</a:t>
+            </a:r>
+            <a:r>
+              <a:rPr b="1" dirty="0"/>
+              <a:t> o </a:t>
+            </a:r>
+            <a:r>
+              <a:rPr b="1" i="1" dirty="0" err="1"/>
               <a:t>ridotti</a:t>
             </a:r>
             <a:r>
-              <a:rPr b="1"/>
+              <a:rPr b="1" dirty="0"/>
               <a:t> al punto </a:t>
             </a:r>
             <a:r>
-              <a:rPr b="1" i="1"/>
+              <a:rPr b="1" i="1" dirty="0"/>
               <a:t>O</a:t>
             </a:r>
             <a:r>
-              <a:rPr b="1"/>
-              <a:t> che prende pertanto il nome di </a:t>
-            </a:r>
-            <a:r>
-              <a:rPr b="1" i="1"/>
-              <a:t>polo di riduzione degli spostamenti</a:t>
-            </a:r>
-            <a:r>
-              <a:rPr b="1"/>
+              <a:rPr b="1" dirty="0"/>
+              <a:t> </a:t>
+            </a:r>
+            <a:r>
+              <a:rPr b="1" dirty="0" err="1"/>
+              <a:t>che</a:t>
+            </a:r>
+            <a:r>
+              <a:rPr b="1" dirty="0"/>
+              <a:t> </a:t>
+            </a:r>
+            <a:r>
+              <a:rPr b="1" dirty="0" err="1"/>
+              <a:t>prende</a:t>
+            </a:r>
+            <a:r>
+              <a:rPr b="1" dirty="0"/>
+              <a:t> </a:t>
+            </a:r>
+            <a:r>
+              <a:rPr b="1" dirty="0" err="1"/>
+              <a:t>pertanto</a:t>
+            </a:r>
+            <a:r>
+              <a:rPr b="1" dirty="0"/>
+              <a:t> il </a:t>
+            </a:r>
+            <a:r>
+              <a:rPr b="1" dirty="0" err="1"/>
+              <a:t>nome</a:t>
+            </a:r>
+            <a:r>
+              <a:rPr b="1" dirty="0"/>
+              <a:t> di </a:t>
+            </a:r>
+            <a:r>
+              <a:rPr b="1" i="1" dirty="0"/>
+              <a:t>polo di </a:t>
+            </a:r>
+            <a:r>
+              <a:rPr b="1" i="1" dirty="0" err="1"/>
+              <a:t>riduzione</a:t>
+            </a:r>
+            <a:r>
+              <a:rPr b="1" i="1" dirty="0"/>
+              <a:t> </a:t>
+            </a:r>
+            <a:r>
+              <a:rPr b="1" i="1" dirty="0" err="1"/>
+              <a:t>degli</a:t>
+            </a:r>
+            <a:r>
+              <a:rPr b="1" i="1" dirty="0"/>
+              <a:t> </a:t>
+            </a:r>
+            <a:r>
+              <a:rPr b="1" i="1" dirty="0" err="1"/>
+              <a:t>spostamenti</a:t>
+            </a:r>
+            <a:r>
+              <a:rPr b="1" dirty="0"/>
               <a:t>.</a:t>
             </a:r>
+            <a:endParaRPr lang="en-US" b="1" dirty="0"/>
+          </a:p>
+          <a:p>
+            <a:pPr>
+              <a:defRPr>
+                <a:solidFill>
+                  <a:srgbClr val="131313"/>
+                </a:solidFill>
+                <a:latin typeface="freight-text-pro"/>
+                <a:ea typeface="freight-text-pro"/>
+                <a:cs typeface="freight-text-pro"/>
+                <a:sym typeface="freight-text-pro"/>
+              </a:defRPr>
+            </a:pPr>
+            <a:endParaRPr lang="en-IT" b="1" dirty="0"/>
+          </a:p>
+          <a:p>
+            <a:pPr>
+              <a:defRPr>
+                <a:solidFill>
+                  <a:srgbClr val="131313"/>
+                </a:solidFill>
+                <a:latin typeface="freight-text-pro"/>
+                <a:ea typeface="freight-text-pro"/>
+                <a:cs typeface="freight-text-pro"/>
+                <a:sym typeface="freight-text-pro"/>
+              </a:defRPr>
+            </a:pPr>
+            <a:r>
+              <a:rPr lang="en-GB" dirty="0"/>
+              <a:t>Si </a:t>
+            </a:r>
+            <a:r>
+              <a:rPr lang="en-GB" dirty="0" err="1"/>
+              <a:t>definiscono</a:t>
+            </a:r>
+            <a:r>
+              <a:rPr lang="en-GB" dirty="0"/>
+              <a:t> due tipi </a:t>
+            </a:r>
+            <a:r>
+              <a:rPr lang="en-GB" dirty="0" err="1"/>
+              <a:t>elementari</a:t>
+            </a:r>
+            <a:r>
+              <a:rPr lang="en-GB" dirty="0"/>
+              <a:t> di </a:t>
+            </a:r>
+            <a:r>
+              <a:rPr lang="en-GB" dirty="0" err="1"/>
+              <a:t>spostamento</a:t>
+            </a:r>
+            <a:r>
+              <a:rPr lang="en-GB" dirty="0"/>
+              <a:t> per un </a:t>
+            </a:r>
+            <a:r>
+              <a:rPr lang="en-GB" dirty="0" err="1"/>
+              <a:t>corpo</a:t>
+            </a:r>
+            <a:r>
+              <a:rPr lang="en-GB" dirty="0"/>
+              <a:t> </a:t>
+            </a:r>
+            <a:r>
+              <a:rPr lang="en-GB" dirty="0" err="1"/>
+              <a:t>rigido</a:t>
+            </a:r>
+            <a:r>
+              <a:rPr lang="en-GB" dirty="0"/>
+              <a:t>: la </a:t>
+            </a:r>
+            <a:r>
+              <a:rPr lang="en-GB" i="1" dirty="0" err="1"/>
+              <a:t>traslazione</a:t>
+            </a:r>
+            <a:r>
+              <a:rPr lang="en-GB" dirty="0"/>
+              <a:t> e la </a:t>
+            </a:r>
+            <a:r>
+              <a:rPr lang="en-GB" i="1" dirty="0" err="1"/>
+              <a:t>rotazione</a:t>
+            </a:r>
+            <a:r>
+              <a:rPr lang="en-GB" dirty="0"/>
+              <a:t> </a:t>
+            </a:r>
+            <a:r>
+              <a:rPr lang="en-GB" dirty="0" err="1"/>
+              <a:t>intorno</a:t>
+            </a:r>
+            <a:r>
+              <a:rPr lang="en-GB" dirty="0"/>
+              <a:t> a un asse </a:t>
+            </a:r>
+            <a:r>
+              <a:rPr lang="en-GB" dirty="0" err="1"/>
+              <a:t>fisso</a:t>
+            </a:r>
+            <a:r>
+              <a:rPr lang="en-GB" dirty="0"/>
+              <a:t>.</a:t>
+            </a:r>
+          </a:p>
+          <a:p>
+            <a:pPr>
+              <a:defRPr>
+                <a:solidFill>
+                  <a:srgbClr val="131313"/>
+                </a:solidFill>
+                <a:latin typeface="freight-text-pro"/>
+                <a:ea typeface="freight-text-pro"/>
+                <a:cs typeface="freight-text-pro"/>
+                <a:sym typeface="freight-text-pro"/>
+              </a:defRPr>
+            </a:pPr>
+            <a:endParaRPr b="1" dirty="0"/>
           </a:p>
         </p:txBody>
       </p:sp>
+      <p:pic>
+        <p:nvPicPr>
+          <p:cNvPr id="2" name="Picture 2" descr="Picture 2">
+            <a:extLst>
+              <a:ext uri="{FF2B5EF4-FFF2-40B4-BE49-F238E27FC236}">
+                <a16:creationId xmlns:a16="http://schemas.microsoft.com/office/drawing/2014/main" id="{508F3256-D96D-500E-BE1C-3A731A3AFEBA}"/>
+              </a:ext>
+            </a:extLst>
+          </p:cNvPr>
+          <p:cNvPicPr>
+            <a:picLocks noChangeAspect="1"/>
+          </p:cNvPicPr>
+          <p:nvPr/>
+        </p:nvPicPr>
+        <p:blipFill>
+          <a:blip r:embed="rId3"/>
+          <a:stretch>
+            <a:fillRect/>
+          </a:stretch>
+        </p:blipFill>
+        <p:spPr>
+          <a:xfrm>
+            <a:off x="7493876" y="2162554"/>
+            <a:ext cx="4487917" cy="1689306"/>
+          </a:xfrm>
+          <a:prstGeom prst="rect">
+            <a:avLst/>
+          </a:prstGeom>
+          <a:ln w="12700">
+            <a:miter lim="400000"/>
+          </a:ln>
+        </p:spPr>
+      </p:pic>
     </p:spTree>
   </p:cSld>
   <p:clrMapOvr>
@@ -50280,7 +50767,7 @@
           </a:ln>
           <a:extLst>
             <a:ext uri="{C572A759-6A51-4108-AA02-DFA0A04FC94B}">
-              <ma14:wrappingTextBoxFlag xmlns="" xmlns:ma14="http://schemas.microsoft.com/office/mac/drawingml/2011/main" xmlns:a14="http://schemas.microsoft.com/office/drawing/2010/main" xmlns:m="http://schemas.openxmlformats.org/officeDocument/2006/math" val="1"/>
+              <ma14:wrappingTextBoxFlag xmlns:m="http://schemas.openxmlformats.org/officeDocument/2006/math" xmlns:a14="http://schemas.microsoft.com/office/drawing/2010/main" xmlns:ma14="http://schemas.microsoft.com/office/mac/drawingml/2011/main" xmlns="" val="1"/>
             </a:ext>
           </a:extLst>
         </p:spPr>
@@ -50327,7 +50814,7 @@
           </a:ln>
           <a:extLst>
             <a:ext uri="{C572A759-6A51-4108-AA02-DFA0A04FC94B}">
-              <ma14:wrappingTextBoxFlag xmlns="" xmlns:ma14="http://schemas.microsoft.com/office/mac/drawingml/2011/main" xmlns:a14="http://schemas.microsoft.com/office/drawing/2010/main" xmlns:m="http://schemas.openxmlformats.org/officeDocument/2006/math" val="1"/>
+              <ma14:wrappingTextBoxFlag xmlns:m="http://schemas.openxmlformats.org/officeDocument/2006/math" xmlns:a14="http://schemas.microsoft.com/office/drawing/2010/main" xmlns:ma14="http://schemas.microsoft.com/office/mac/drawingml/2011/main" xmlns="" val="1"/>
             </a:ext>
           </a:extLst>
         </p:spPr>
@@ -50462,7 +50949,7 @@
           </a:ln>
           <a:extLst>
             <a:ext uri="{C572A759-6A51-4108-AA02-DFA0A04FC94B}">
-              <ma14:wrappingTextBoxFlag xmlns="" xmlns:ma14="http://schemas.microsoft.com/office/mac/drawingml/2011/main" xmlns:a14="http://schemas.microsoft.com/office/drawing/2010/main" xmlns:m="http://schemas.openxmlformats.org/officeDocument/2006/math" val="1"/>
+              <ma14:wrappingTextBoxFlag xmlns:m="http://schemas.openxmlformats.org/officeDocument/2006/math" xmlns:a14="http://schemas.microsoft.com/office/drawing/2010/main" xmlns:ma14="http://schemas.microsoft.com/office/mac/drawingml/2011/main" xmlns="" val="1"/>
             </a:ext>
           </a:extLst>
         </p:spPr>
@@ -50509,7 +50996,7 @@
           </a:ln>
           <a:extLst>
             <a:ext uri="{C572A759-6A51-4108-AA02-DFA0A04FC94B}">
-              <ma14:wrappingTextBoxFlag xmlns="" xmlns:ma14="http://schemas.microsoft.com/office/mac/drawingml/2011/main" xmlns:a14="http://schemas.microsoft.com/office/drawing/2010/main" xmlns:m="http://schemas.openxmlformats.org/officeDocument/2006/math" val="1"/>
+              <ma14:wrappingTextBoxFlag xmlns:m="http://schemas.openxmlformats.org/officeDocument/2006/math" xmlns:a14="http://schemas.microsoft.com/office/drawing/2010/main" xmlns:ma14="http://schemas.microsoft.com/office/mac/drawingml/2011/main" xmlns="" val="1"/>
             </a:ext>
           </a:extLst>
         </p:spPr>
@@ -50586,7 +51073,7 @@
           </a:ln>
           <a:extLst>
             <a:ext uri="{C572A759-6A51-4108-AA02-DFA0A04FC94B}">
-              <ma14:wrappingTextBoxFlag xmlns="" xmlns:ma14="http://schemas.microsoft.com/office/mac/drawingml/2011/main" xmlns:a14="http://schemas.microsoft.com/office/drawing/2010/main" xmlns:m="http://schemas.openxmlformats.org/officeDocument/2006/math" val="1"/>
+              <ma14:wrappingTextBoxFlag xmlns:m="http://schemas.openxmlformats.org/officeDocument/2006/math" xmlns:a14="http://schemas.microsoft.com/office/drawing/2010/main" xmlns:ma14="http://schemas.microsoft.com/office/mac/drawingml/2011/main" xmlns="" val="1"/>
             </a:ext>
           </a:extLst>
         </p:spPr>
@@ -50818,91 +51305,91 @@
               </a:defRPr>
             </a:pPr>
             <a:r>
-              <a:rPr lang="en-GB" err="1"/>
+              <a:rPr lang="en-GB" dirty="0" err="1"/>
               <a:t>L’equazione</a:t>
             </a:r>
             <a:r>
-              <a:rPr lang="en-GB"/>
+              <a:rPr lang="en-GB" dirty="0"/>
               <a:t> Eq. (2.10) </a:t>
             </a:r>
             <a:r>
-              <a:rPr lang="en-GB" err="1"/>
+              <a:rPr lang="en-GB" dirty="0" err="1"/>
               <a:t>mostra</a:t>
             </a:r>
             <a:r>
-              <a:rPr lang="en-GB"/>
+              <a:rPr lang="en-GB" dirty="0"/>
               <a:t> </a:t>
             </a:r>
             <a:r>
-              <a:rPr lang="en-GB" err="1"/>
+              <a:rPr lang="en-GB" dirty="0" err="1"/>
               <a:t>che</a:t>
             </a:r>
             <a:r>
-              <a:rPr lang="en-GB"/>
+              <a:rPr lang="en-GB" dirty="0"/>
               <a:t> la </a:t>
             </a:r>
             <a:r>
-              <a:rPr lang="en-GB" err="1"/>
+              <a:rPr lang="en-GB" dirty="0" err="1"/>
               <a:t>matrice</a:t>
             </a:r>
             <a:r>
-              <a:rPr lang="en-GB"/>
+              <a:rPr lang="en-GB" dirty="0"/>
               <a:t> </a:t>
             </a:r>
             <a:r>
-              <a:rPr lang="el-GR" b="1"/>
+              <a:rPr lang="el-GR" b="1" dirty="0"/>
               <a:t>Ω</a:t>
             </a:r>
             <a:r>
-              <a:rPr lang="en-GB" i="1" baseline="-25000"/>
+              <a:rPr lang="en-GB" i="1" baseline="-25000" dirty="0"/>
               <a:t>R</a:t>
             </a:r>
             <a:r>
-              <a:rPr lang="en-GB"/>
+              <a:rPr lang="en-GB" dirty="0"/>
               <a:t>, </a:t>
             </a:r>
             <a:r>
-              <a:rPr lang="en-GB" err="1"/>
+              <a:rPr lang="en-GB" dirty="0" err="1"/>
               <a:t>detta</a:t>
             </a:r>
             <a:r>
-              <a:rPr lang="en-GB"/>
+              <a:rPr lang="en-GB" dirty="0"/>
               <a:t> </a:t>
             </a:r>
             <a:r>
-              <a:rPr lang="en-GB" i="1" err="1"/>
+              <a:rPr lang="en-GB" i="1" dirty="0" err="1"/>
               <a:t>matrice</a:t>
             </a:r>
             <a:r>
-              <a:rPr lang="en-GB" i="1"/>
+              <a:rPr lang="en-GB" i="1" dirty="0"/>
               <a:t> di </a:t>
             </a:r>
             <a:r>
-              <a:rPr lang="en-GB" i="1" err="1"/>
+              <a:rPr lang="en-GB" i="1" dirty="0" err="1"/>
               <a:t>rotazione</a:t>
             </a:r>
             <a:r>
-              <a:rPr lang="en-GB" i="1"/>
+              <a:rPr lang="en-GB" i="1" dirty="0"/>
               <a:t> rigida</a:t>
             </a:r>
             <a:r>
-              <a:rPr lang="en-GB"/>
+              <a:rPr lang="en-GB" dirty="0"/>
               <a:t>, </a:t>
             </a:r>
             <a:r>
-              <a:rPr lang="en-GB" err="1"/>
+              <a:rPr lang="en-GB" dirty="0" err="1"/>
               <a:t>è</a:t>
             </a:r>
             <a:r>
-              <a:rPr lang="en-GB"/>
+              <a:rPr lang="en-GB" dirty="0"/>
               <a:t> </a:t>
             </a:r>
             <a:r>
-              <a:rPr lang="en-GB" err="1"/>
+              <a:rPr lang="en-GB" dirty="0" err="1"/>
               <a:t>emisimmetrica</a:t>
             </a:r>
             <a:r>
-              <a:rPr lang="en-GB"/>
+              <a:rPr lang="en-GB" dirty="0"/>
               <a:t>. </a:t>
             </a:r>
           </a:p>
@@ -50953,7 +51440,7 @@
           </a:ln>
           <a:extLst>
             <a:ext uri="{C572A759-6A51-4108-AA02-DFA0A04FC94B}">
-              <ma14:wrappingTextBoxFlag xmlns="" xmlns:ma14="http://schemas.microsoft.com/office/mac/drawingml/2011/main" xmlns:a14="http://schemas.microsoft.com/office/drawing/2010/main" xmlns:m="http://schemas.openxmlformats.org/officeDocument/2006/math" val="1"/>
+              <ma14:wrappingTextBoxFlag xmlns:m="http://schemas.openxmlformats.org/officeDocument/2006/math" xmlns:a14="http://schemas.microsoft.com/office/drawing/2010/main" xmlns:ma14="http://schemas.microsoft.com/office/mac/drawingml/2011/main" xmlns="" val="1"/>
             </a:ext>
           </a:extLst>
         </p:spPr>
@@ -51027,7 +51514,7 @@
           </a:ln>
           <a:extLst>
             <a:ext uri="{C572A759-6A51-4108-AA02-DFA0A04FC94B}">
-              <ma14:wrappingTextBoxFlag xmlns="" xmlns:ma14="http://schemas.microsoft.com/office/mac/drawingml/2011/main" xmlns:a14="http://schemas.microsoft.com/office/drawing/2010/main" xmlns:m="http://schemas.openxmlformats.org/officeDocument/2006/math" val="1"/>
+              <ma14:wrappingTextBoxFlag xmlns:m="http://schemas.openxmlformats.org/officeDocument/2006/math" xmlns:a14="http://schemas.microsoft.com/office/drawing/2010/main" xmlns:ma14="http://schemas.microsoft.com/office/mac/drawingml/2011/main" xmlns="" val="1"/>
             </a:ext>
           </a:extLst>
         </p:spPr>
@@ -51074,7 +51561,7 @@
           </a:ln>
           <a:extLst>
             <a:ext uri="{C572A759-6A51-4108-AA02-DFA0A04FC94B}">
-              <ma14:wrappingTextBoxFlag xmlns="" xmlns:ma14="http://schemas.microsoft.com/office/mac/drawingml/2011/main" xmlns:a14="http://schemas.microsoft.com/office/drawing/2010/main" xmlns:m="http://schemas.openxmlformats.org/officeDocument/2006/math" val="1"/>
+              <ma14:wrappingTextBoxFlag xmlns:m="http://schemas.openxmlformats.org/officeDocument/2006/math" xmlns:a14="http://schemas.microsoft.com/office/drawing/2010/main" xmlns:ma14="http://schemas.microsoft.com/office/mac/drawingml/2011/main" xmlns="" val="1"/>
             </a:ext>
           </a:extLst>
         </p:spPr>
@@ -51202,7 +51689,7 @@
           </a:ln>
           <a:extLst>
             <a:ext uri="{C572A759-6A51-4108-AA02-DFA0A04FC94B}">
-              <ma14:wrappingTextBoxFlag xmlns="" xmlns:ma14="http://schemas.microsoft.com/office/mac/drawingml/2011/main" xmlns:a14="http://schemas.microsoft.com/office/drawing/2010/main" xmlns:m="http://schemas.openxmlformats.org/officeDocument/2006/math" val="1"/>
+              <ma14:wrappingTextBoxFlag xmlns:m="http://schemas.openxmlformats.org/officeDocument/2006/math" xmlns:a14="http://schemas.microsoft.com/office/drawing/2010/main" xmlns:ma14="http://schemas.microsoft.com/office/mac/drawingml/2011/main" xmlns="" val="1"/>
             </a:ext>
           </a:extLst>
         </p:spPr>
@@ -51360,7 +51847,7 @@
           </a:ln>
           <a:extLst>
             <a:ext uri="{C572A759-6A51-4108-AA02-DFA0A04FC94B}">
-              <ma14:wrappingTextBoxFlag xmlns="" xmlns:ma14="http://schemas.microsoft.com/office/mac/drawingml/2011/main" xmlns:a14="http://schemas.microsoft.com/office/drawing/2010/main" xmlns:m="http://schemas.openxmlformats.org/officeDocument/2006/math" val="1"/>
+              <ma14:wrappingTextBoxFlag xmlns:m="http://schemas.openxmlformats.org/officeDocument/2006/math" xmlns:a14="http://schemas.microsoft.com/office/drawing/2010/main" xmlns:ma14="http://schemas.microsoft.com/office/mac/drawingml/2011/main" xmlns="" val="1"/>
             </a:ext>
           </a:extLst>
         </p:spPr>
@@ -51465,6 +51952,90 @@
       </p:grpSpPr>
       <p:sp>
         <p:nvSpPr>
+          <p:cNvPr id="2" name="Rectangle 1">
+            <a:extLst>
+              <a:ext uri="{FF2B5EF4-FFF2-40B4-BE49-F238E27FC236}">
+                <a16:creationId xmlns:a16="http://schemas.microsoft.com/office/drawing/2014/main" id="{0EC31995-342D-9EDA-6561-976F608E30C8}"/>
+              </a:ext>
+            </a:extLst>
+          </p:cNvPr>
+          <p:cNvSpPr/>
+          <p:nvPr/>
+        </p:nvSpPr>
+        <p:spPr>
+          <a:xfrm>
+            <a:off x="325483" y="99265"/>
+            <a:ext cx="6533605" cy="6740481"/>
+          </a:xfrm>
+          <a:prstGeom prst="rect">
+            <a:avLst/>
+          </a:prstGeom>
+          <a:solidFill>
+            <a:srgbClr val="FFFFFF"/>
+          </a:solidFill>
+          <a:ln w="25400" cap="flat">
+            <a:solidFill>
+              <a:schemeClr val="accent1"/>
+            </a:solidFill>
+            <a:prstDash val="solid"/>
+            <a:round/>
+          </a:ln>
+          <a:effectLst/>
+          <a:sp3d/>
+        </p:spPr>
+        <p:style>
+          <a:lnRef idx="0">
+            <a:scrgbClr r="0" g="0" b="0"/>
+          </a:lnRef>
+          <a:fillRef idx="0">
+            <a:scrgbClr r="0" g="0" b="0"/>
+          </a:fillRef>
+          <a:effectRef idx="0">
+            <a:scrgbClr r="0" g="0" b="0"/>
+          </a:effectRef>
+          <a:fontRef idx="none"/>
+        </p:style>
+        <p:txBody>
+          <a:bodyPr rot="0" spcFirstLastPara="1" vertOverflow="overflow" horzOverflow="overflow" vert="horz" wrap="square" lIns="45718" tIns="45718" rIns="45718" bIns="45718" numCol="1" spcCol="38100" rtlCol="0" anchor="ctr">
+            <a:spAutoFit/>
+          </a:bodyPr>
+          <a:lstStyle/>
+          <a:p>
+            <a:pPr marL="0" marR="0" indent="0" algn="l" defTabSz="914400" rtl="0" fontAlgn="auto" latinLnBrk="0" hangingPunct="0">
+              <a:lnSpc>
+                <a:spcPct val="100000"/>
+              </a:lnSpc>
+              <a:spcBef>
+                <a:spcPts val="0"/>
+              </a:spcBef>
+              <a:spcAft>
+                <a:spcPts val="0"/>
+              </a:spcAft>
+              <a:buClrTx/>
+              <a:buSzTx/>
+              <a:buFontTx/>
+              <a:buNone/>
+              <a:tabLst/>
+            </a:pPr>
+            <a:endParaRPr kumimoji="0" lang="en-IT" sz="1800" b="0" i="0" u="none" strike="noStrike" cap="none" spc="0" normalizeH="0" baseline="0">
+              <a:ln>
+                <a:noFill/>
+              </a:ln>
+              <a:solidFill>
+                <a:srgbClr val="000000"/>
+              </a:solidFill>
+              <a:effectLst/>
+              <a:uFillTx/>
+              <a:latin typeface="+mn-lt"/>
+              <a:ea typeface="+mn-ea"/>
+              <a:cs typeface="+mn-cs"/>
+              <a:sym typeface="Helvetica"/>
+            </a:endParaRPr>
+          </a:p>
+        </p:txBody>
+      </p:sp>
+      <p:sp>
+        <p:nvSpPr>
           <p:cNvPr id="149" name="TextBox 6"/>
           <p:cNvSpPr txBox="1"/>
           <p:nvPr/>
@@ -51482,7 +52053,7 @@
           </a:ln>
           <a:extLst>
             <a:ext uri="{C572A759-6A51-4108-AA02-DFA0A04FC94B}">
-              <ma14:wrappingTextBoxFlag xmlns="" xmlns:ma14="http://schemas.microsoft.com/office/mac/drawingml/2011/main" xmlns:a14="http://schemas.microsoft.com/office/drawing/2010/main" xmlns:m="http://schemas.openxmlformats.org/officeDocument/2006/math" val="1"/>
+              <ma14:wrappingTextBoxFlag xmlns:m="http://schemas.openxmlformats.org/officeDocument/2006/math" xmlns:a14="http://schemas.microsoft.com/office/drawing/2010/main" xmlns:ma14="http://schemas.microsoft.com/office/mac/drawingml/2011/main" xmlns="" val="1"/>
             </a:ext>
           </a:extLst>
         </p:spPr>
@@ -51556,7 +52127,7 @@
           </a:ln>
           <a:extLst>
             <a:ext uri="{C572A759-6A51-4108-AA02-DFA0A04FC94B}">
-              <ma14:wrappingTextBoxFlag xmlns="" xmlns:ma14="http://schemas.microsoft.com/office/mac/drawingml/2011/main" xmlns:a14="http://schemas.microsoft.com/office/drawing/2010/main" xmlns:m="http://schemas.openxmlformats.org/officeDocument/2006/math" val="1"/>
+              <ma14:wrappingTextBoxFlag xmlns:m="http://schemas.openxmlformats.org/officeDocument/2006/math" xmlns:a14="http://schemas.microsoft.com/office/drawing/2010/main" xmlns:ma14="http://schemas.microsoft.com/office/mac/drawingml/2011/main" xmlns="" val="1"/>
             </a:ext>
           </a:extLst>
         </p:spPr>
@@ -51603,7 +52174,7 @@
           </a:ln>
           <a:extLst>
             <a:ext uri="{C572A759-6A51-4108-AA02-DFA0A04FC94B}">
-              <ma14:wrappingTextBoxFlag xmlns="" xmlns:ma14="http://schemas.microsoft.com/office/mac/drawingml/2011/main" xmlns:a14="http://schemas.microsoft.com/office/drawing/2010/main" xmlns:m="http://schemas.openxmlformats.org/officeDocument/2006/math" val="1"/>
+              <ma14:wrappingTextBoxFlag xmlns:m="http://schemas.openxmlformats.org/officeDocument/2006/math" xmlns:a14="http://schemas.microsoft.com/office/drawing/2010/main" xmlns:ma14="http://schemas.microsoft.com/office/mac/drawingml/2011/main" xmlns="" val="1"/>
             </a:ext>
           </a:extLst>
         </p:spPr>
@@ -51785,7 +52356,7 @@
           </a:ln>
           <a:extLst>
             <a:ext uri="{C572A759-6A51-4108-AA02-DFA0A04FC94B}">
-              <ma14:wrappingTextBoxFlag xmlns="" xmlns:ma14="http://schemas.microsoft.com/office/mac/drawingml/2011/main" xmlns:a14="http://schemas.microsoft.com/office/drawing/2010/main" xmlns:m="http://schemas.openxmlformats.org/officeDocument/2006/math" val="1"/>
+              <ma14:wrappingTextBoxFlag xmlns:m="http://schemas.openxmlformats.org/officeDocument/2006/math" xmlns:a14="http://schemas.microsoft.com/office/drawing/2010/main" xmlns:ma14="http://schemas.microsoft.com/office/mac/drawingml/2011/main" xmlns="" val="1"/>
             </a:ext>
           </a:extLst>
         </p:spPr>
@@ -51859,7 +52430,7 @@
           </a:ln>
           <a:extLst>
             <a:ext uri="{C572A759-6A51-4108-AA02-DFA0A04FC94B}">
-              <ma14:wrappingTextBoxFlag xmlns="" xmlns:ma14="http://schemas.microsoft.com/office/mac/drawingml/2011/main" xmlns:a14="http://schemas.microsoft.com/office/drawing/2010/main" xmlns:m="http://schemas.openxmlformats.org/officeDocument/2006/math" val="1"/>
+              <ma14:wrappingTextBoxFlag xmlns:m="http://schemas.openxmlformats.org/officeDocument/2006/math" xmlns:a14="http://schemas.microsoft.com/office/drawing/2010/main" xmlns:ma14="http://schemas.microsoft.com/office/mac/drawingml/2011/main" xmlns="" val="1"/>
             </a:ext>
           </a:extLst>
         </p:spPr>
@@ -51910,7 +52481,505 @@
   <p:clrMapOvr>
     <a:masterClrMapping/>
   </p:clrMapOvr>
-  <p:transition spd="med"/>
+  <mc:AlternateContent xmlns:mc="http://schemas.openxmlformats.org/markup-compatibility/2006">
+    <mc:Choice xmlns:p14="http://schemas.microsoft.com/office/powerpoint/2010/main" Requires="p14">
+      <p:transition p14:dur="0"/>
+    </mc:Choice>
+    <mc:Fallback>
+      <p:transition/>
+    </mc:Fallback>
+  </mc:AlternateContent>
+  <p:timing>
+    <p:tnLst>
+      <p:par>
+        <p:cTn id="1" dur="indefinite" restart="never" nodeType="tmRoot">
+          <p:childTnLst>
+            <p:seq concurrent="1" nextAc="seek">
+              <p:cTn id="2" dur="indefinite" nodeType="mainSeq">
+                <p:childTnLst>
+                  <p:par>
+                    <p:cTn id="3" fill="hold">
+                      <p:stCondLst>
+                        <p:cond delay="indefinite"/>
+                      </p:stCondLst>
+                      <p:childTnLst>
+                        <p:par>
+                          <p:cTn id="4" fill="hold">
+                            <p:stCondLst>
+                              <p:cond delay="0"/>
+                            </p:stCondLst>
+                            <p:childTnLst>
+                              <p:par>
+                                <p:cTn id="5" presetID="2" presetClass="entr" presetSubtype="4" fill="hold" grpId="0" nodeType="clickEffect">
+                                  <p:stCondLst>
+                                    <p:cond delay="0"/>
+                                  </p:stCondLst>
+                                  <p:childTnLst>
+                                    <p:set>
+                                      <p:cBhvr>
+                                        <p:cTn id="6" dur="1" fill="hold">
+                                          <p:stCondLst>
+                                            <p:cond delay="0"/>
+                                          </p:stCondLst>
+                                        </p:cTn>
+                                        <p:tgtEl>
+                                          <p:spTgt spid="149"/>
+                                        </p:tgtEl>
+                                        <p:attrNameLst>
+                                          <p:attrName>style.visibility</p:attrName>
+                                        </p:attrNameLst>
+                                      </p:cBhvr>
+                                      <p:to>
+                                        <p:strVal val="visible"/>
+                                      </p:to>
+                                    </p:set>
+                                    <p:anim calcmode="lin" valueType="num">
+                                      <p:cBhvr additive="base">
+                                        <p:cTn id="7" dur="500" fill="hold"/>
+                                        <p:tgtEl>
+                                          <p:spTgt spid="149"/>
+                                        </p:tgtEl>
+                                        <p:attrNameLst>
+                                          <p:attrName>ppt_x</p:attrName>
+                                        </p:attrNameLst>
+                                      </p:cBhvr>
+                                      <p:tavLst>
+                                        <p:tav tm="0">
+                                          <p:val>
+                                            <p:strVal val="#ppt_x"/>
+                                          </p:val>
+                                        </p:tav>
+                                        <p:tav tm="100000">
+                                          <p:val>
+                                            <p:strVal val="#ppt_x"/>
+                                          </p:val>
+                                        </p:tav>
+                                      </p:tavLst>
+                                    </p:anim>
+                                    <p:anim calcmode="lin" valueType="num">
+                                      <p:cBhvr additive="base">
+                                        <p:cTn id="8" dur="500" fill="hold"/>
+                                        <p:tgtEl>
+                                          <p:spTgt spid="149"/>
+                                        </p:tgtEl>
+                                        <p:attrNameLst>
+                                          <p:attrName>ppt_y</p:attrName>
+                                        </p:attrNameLst>
+                                      </p:cBhvr>
+                                      <p:tavLst>
+                                        <p:tav tm="0">
+                                          <p:val>
+                                            <p:strVal val="1+#ppt_h/2"/>
+                                          </p:val>
+                                        </p:tav>
+                                        <p:tav tm="100000">
+                                          <p:val>
+                                            <p:strVal val="#ppt_y"/>
+                                          </p:val>
+                                        </p:tav>
+                                      </p:tavLst>
+                                    </p:anim>
+                                  </p:childTnLst>
+                                </p:cTn>
+                              </p:par>
+                              <p:par>
+                                <p:cTn id="9" presetID="2" presetClass="entr" presetSubtype="4" fill="hold" grpId="0" nodeType="withEffect">
+                                  <p:stCondLst>
+                                    <p:cond delay="0"/>
+                                  </p:stCondLst>
+                                  <p:childTnLst>
+                                    <p:set>
+                                      <p:cBhvr>
+                                        <p:cTn id="10" dur="1" fill="hold">
+                                          <p:stCondLst>
+                                            <p:cond delay="0"/>
+                                          </p:stCondLst>
+                                        </p:cTn>
+                                        <p:tgtEl>
+                                          <p:spTgt spid="158"/>
+                                        </p:tgtEl>
+                                        <p:attrNameLst>
+                                          <p:attrName>style.visibility</p:attrName>
+                                        </p:attrNameLst>
+                                      </p:cBhvr>
+                                      <p:to>
+                                        <p:strVal val="visible"/>
+                                      </p:to>
+                                    </p:set>
+                                    <p:anim calcmode="lin" valueType="num">
+                                      <p:cBhvr additive="base">
+                                        <p:cTn id="11" dur="500" fill="hold"/>
+                                        <p:tgtEl>
+                                          <p:spTgt spid="158"/>
+                                        </p:tgtEl>
+                                        <p:attrNameLst>
+                                          <p:attrName>ppt_x</p:attrName>
+                                        </p:attrNameLst>
+                                      </p:cBhvr>
+                                      <p:tavLst>
+                                        <p:tav tm="0">
+                                          <p:val>
+                                            <p:strVal val="#ppt_x"/>
+                                          </p:val>
+                                        </p:tav>
+                                        <p:tav tm="100000">
+                                          <p:val>
+                                            <p:strVal val="#ppt_x"/>
+                                          </p:val>
+                                        </p:tav>
+                                      </p:tavLst>
+                                    </p:anim>
+                                    <p:anim calcmode="lin" valueType="num">
+                                      <p:cBhvr additive="base">
+                                        <p:cTn id="12" dur="500" fill="hold"/>
+                                        <p:tgtEl>
+                                          <p:spTgt spid="158"/>
+                                        </p:tgtEl>
+                                        <p:attrNameLst>
+                                          <p:attrName>ppt_y</p:attrName>
+                                        </p:attrNameLst>
+                                      </p:cBhvr>
+                                      <p:tavLst>
+                                        <p:tav tm="0">
+                                          <p:val>
+                                            <p:strVal val="1+#ppt_h/2"/>
+                                          </p:val>
+                                        </p:tav>
+                                        <p:tav tm="100000">
+                                          <p:val>
+                                            <p:strVal val="#ppt_y"/>
+                                          </p:val>
+                                        </p:tav>
+                                      </p:tavLst>
+                                    </p:anim>
+                                  </p:childTnLst>
+                                </p:cTn>
+                              </p:par>
+                              <p:par>
+                                <p:cTn id="13" presetID="2" presetClass="entr" presetSubtype="4" fill="hold" nodeType="withEffect">
+                                  <p:stCondLst>
+                                    <p:cond delay="0"/>
+                                  </p:stCondLst>
+                                  <p:childTnLst>
+                                    <p:set>
+                                      <p:cBhvr>
+                                        <p:cTn id="14" dur="1" fill="hold">
+                                          <p:stCondLst>
+                                            <p:cond delay="0"/>
+                                          </p:stCondLst>
+                                        </p:cTn>
+                                        <p:tgtEl>
+                                          <p:spTgt spid="159"/>
+                                        </p:tgtEl>
+                                        <p:attrNameLst>
+                                          <p:attrName>style.visibility</p:attrName>
+                                        </p:attrNameLst>
+                                      </p:cBhvr>
+                                      <p:to>
+                                        <p:strVal val="visible"/>
+                                      </p:to>
+                                    </p:set>
+                                    <p:anim calcmode="lin" valueType="num">
+                                      <p:cBhvr additive="base">
+                                        <p:cTn id="15" dur="500" fill="hold"/>
+                                        <p:tgtEl>
+                                          <p:spTgt spid="159"/>
+                                        </p:tgtEl>
+                                        <p:attrNameLst>
+                                          <p:attrName>ppt_x</p:attrName>
+                                        </p:attrNameLst>
+                                      </p:cBhvr>
+                                      <p:tavLst>
+                                        <p:tav tm="0">
+                                          <p:val>
+                                            <p:strVal val="#ppt_x"/>
+                                          </p:val>
+                                        </p:tav>
+                                        <p:tav tm="100000">
+                                          <p:val>
+                                            <p:strVal val="#ppt_x"/>
+                                          </p:val>
+                                        </p:tav>
+                                      </p:tavLst>
+                                    </p:anim>
+                                    <p:anim calcmode="lin" valueType="num">
+                                      <p:cBhvr additive="base">
+                                        <p:cTn id="16" dur="500" fill="hold"/>
+                                        <p:tgtEl>
+                                          <p:spTgt spid="159"/>
+                                        </p:tgtEl>
+                                        <p:attrNameLst>
+                                          <p:attrName>ppt_y</p:attrName>
+                                        </p:attrNameLst>
+                                      </p:cBhvr>
+                                      <p:tavLst>
+                                        <p:tav tm="0">
+                                          <p:val>
+                                            <p:strVal val="1+#ppt_h/2"/>
+                                          </p:val>
+                                        </p:tav>
+                                        <p:tav tm="100000">
+                                          <p:val>
+                                            <p:strVal val="#ppt_y"/>
+                                          </p:val>
+                                        </p:tav>
+                                      </p:tavLst>
+                                    </p:anim>
+                                  </p:childTnLst>
+                                </p:cTn>
+                              </p:par>
+                              <p:par>
+                                <p:cTn id="17" presetID="2" presetClass="entr" presetSubtype="4" fill="hold" grpId="0" nodeType="withEffect">
+                                  <p:stCondLst>
+                                    <p:cond delay="0"/>
+                                  </p:stCondLst>
+                                  <p:childTnLst>
+                                    <p:set>
+                                      <p:cBhvr>
+                                        <p:cTn id="18" dur="1" fill="hold">
+                                          <p:stCondLst>
+                                            <p:cond delay="0"/>
+                                          </p:stCondLst>
+                                        </p:cTn>
+                                        <p:tgtEl>
+                                          <p:spTgt spid="160"/>
+                                        </p:tgtEl>
+                                        <p:attrNameLst>
+                                          <p:attrName>style.visibility</p:attrName>
+                                        </p:attrNameLst>
+                                      </p:cBhvr>
+                                      <p:to>
+                                        <p:strVal val="visible"/>
+                                      </p:to>
+                                    </p:set>
+                                    <p:anim calcmode="lin" valueType="num">
+                                      <p:cBhvr additive="base">
+                                        <p:cTn id="19" dur="500" fill="hold"/>
+                                        <p:tgtEl>
+                                          <p:spTgt spid="160"/>
+                                        </p:tgtEl>
+                                        <p:attrNameLst>
+                                          <p:attrName>ppt_x</p:attrName>
+                                        </p:attrNameLst>
+                                      </p:cBhvr>
+                                      <p:tavLst>
+                                        <p:tav tm="0">
+                                          <p:val>
+                                            <p:strVal val="#ppt_x"/>
+                                          </p:val>
+                                        </p:tav>
+                                        <p:tav tm="100000">
+                                          <p:val>
+                                            <p:strVal val="#ppt_x"/>
+                                          </p:val>
+                                        </p:tav>
+                                      </p:tavLst>
+                                    </p:anim>
+                                    <p:anim calcmode="lin" valueType="num">
+                                      <p:cBhvr additive="base">
+                                        <p:cTn id="20" dur="500" fill="hold"/>
+                                        <p:tgtEl>
+                                          <p:spTgt spid="160"/>
+                                        </p:tgtEl>
+                                        <p:attrNameLst>
+                                          <p:attrName>ppt_y</p:attrName>
+                                        </p:attrNameLst>
+                                      </p:cBhvr>
+                                      <p:tavLst>
+                                        <p:tav tm="0">
+                                          <p:val>
+                                            <p:strVal val="1+#ppt_h/2"/>
+                                          </p:val>
+                                        </p:tav>
+                                        <p:tav tm="100000">
+                                          <p:val>
+                                            <p:strVal val="#ppt_y"/>
+                                          </p:val>
+                                        </p:tav>
+                                      </p:tavLst>
+                                    </p:anim>
+                                  </p:childTnLst>
+                                </p:cTn>
+                              </p:par>
+                              <p:par>
+                                <p:cTn id="21" presetID="2" presetClass="entr" presetSubtype="4" fill="hold" nodeType="withEffect">
+                                  <p:stCondLst>
+                                    <p:cond delay="0"/>
+                                  </p:stCondLst>
+                                  <p:childTnLst>
+                                    <p:set>
+                                      <p:cBhvr>
+                                        <p:cTn id="22" dur="1" fill="hold">
+                                          <p:stCondLst>
+                                            <p:cond delay="0"/>
+                                          </p:stCondLst>
+                                        </p:cTn>
+                                        <p:tgtEl>
+                                          <p:spTgt spid="157"/>
+                                        </p:tgtEl>
+                                        <p:attrNameLst>
+                                          <p:attrName>style.visibility</p:attrName>
+                                        </p:attrNameLst>
+                                      </p:cBhvr>
+                                      <p:to>
+                                        <p:strVal val="visible"/>
+                                      </p:to>
+                                    </p:set>
+                                    <p:anim calcmode="lin" valueType="num">
+                                      <p:cBhvr additive="base">
+                                        <p:cTn id="23" dur="500" fill="hold"/>
+                                        <p:tgtEl>
+                                          <p:spTgt spid="157"/>
+                                        </p:tgtEl>
+                                        <p:attrNameLst>
+                                          <p:attrName>ppt_x</p:attrName>
+                                        </p:attrNameLst>
+                                      </p:cBhvr>
+                                      <p:tavLst>
+                                        <p:tav tm="0">
+                                          <p:val>
+                                            <p:strVal val="#ppt_x"/>
+                                          </p:val>
+                                        </p:tav>
+                                        <p:tav tm="100000">
+                                          <p:val>
+                                            <p:strVal val="#ppt_x"/>
+                                          </p:val>
+                                        </p:tav>
+                                      </p:tavLst>
+                                    </p:anim>
+                                    <p:anim calcmode="lin" valueType="num">
+                                      <p:cBhvr additive="base">
+                                        <p:cTn id="24" dur="500" fill="hold"/>
+                                        <p:tgtEl>
+                                          <p:spTgt spid="157"/>
+                                        </p:tgtEl>
+                                        <p:attrNameLst>
+                                          <p:attrName>ppt_y</p:attrName>
+                                        </p:attrNameLst>
+                                      </p:cBhvr>
+                                      <p:tavLst>
+                                        <p:tav tm="0">
+                                          <p:val>
+                                            <p:strVal val="1+#ppt_h/2"/>
+                                          </p:val>
+                                        </p:tav>
+                                        <p:tav tm="100000">
+                                          <p:val>
+                                            <p:strVal val="#ppt_y"/>
+                                          </p:val>
+                                        </p:tav>
+                                      </p:tavLst>
+                                    </p:anim>
+                                  </p:childTnLst>
+                                </p:cTn>
+                              </p:par>
+                              <p:par>
+                                <p:cTn id="25" presetID="2" presetClass="entr" presetSubtype="4" fill="hold" nodeType="withEffect">
+                                  <p:stCondLst>
+                                    <p:cond delay="0"/>
+                                  </p:stCondLst>
+                                  <p:childTnLst>
+                                    <p:set>
+                                      <p:cBhvr>
+                                        <p:cTn id="26" dur="1" fill="hold">
+                                          <p:stCondLst>
+                                            <p:cond delay="0"/>
+                                          </p:stCondLst>
+                                        </p:cTn>
+                                        <p:tgtEl>
+                                          <p:spTgt spid="156"/>
+                                        </p:tgtEl>
+                                        <p:attrNameLst>
+                                          <p:attrName>style.visibility</p:attrName>
+                                        </p:attrNameLst>
+                                      </p:cBhvr>
+                                      <p:to>
+                                        <p:strVal val="visible"/>
+                                      </p:to>
+                                    </p:set>
+                                    <p:anim calcmode="lin" valueType="num">
+                                      <p:cBhvr additive="base">
+                                        <p:cTn id="27" dur="500" fill="hold"/>
+                                        <p:tgtEl>
+                                          <p:spTgt spid="156"/>
+                                        </p:tgtEl>
+                                        <p:attrNameLst>
+                                          <p:attrName>ppt_x</p:attrName>
+                                        </p:attrNameLst>
+                                      </p:cBhvr>
+                                      <p:tavLst>
+                                        <p:tav tm="0">
+                                          <p:val>
+                                            <p:strVal val="#ppt_x"/>
+                                          </p:val>
+                                        </p:tav>
+                                        <p:tav tm="100000">
+                                          <p:val>
+                                            <p:strVal val="#ppt_x"/>
+                                          </p:val>
+                                        </p:tav>
+                                      </p:tavLst>
+                                    </p:anim>
+                                    <p:anim calcmode="lin" valueType="num">
+                                      <p:cBhvr additive="base">
+                                        <p:cTn id="28" dur="500" fill="hold"/>
+                                        <p:tgtEl>
+                                          <p:spTgt spid="156"/>
+                                        </p:tgtEl>
+                                        <p:attrNameLst>
+                                          <p:attrName>ppt_y</p:attrName>
+                                        </p:attrNameLst>
+                                      </p:cBhvr>
+                                      <p:tavLst>
+                                        <p:tav tm="0">
+                                          <p:val>
+                                            <p:strVal val="1+#ppt_h/2"/>
+                                          </p:val>
+                                        </p:tav>
+                                        <p:tav tm="100000">
+                                          <p:val>
+                                            <p:strVal val="#ppt_y"/>
+                                          </p:val>
+                                        </p:tav>
+                                      </p:tavLst>
+                                    </p:anim>
+                                  </p:childTnLst>
+                                </p:cTn>
+                              </p:par>
+                            </p:childTnLst>
+                          </p:cTn>
+                        </p:par>
+                      </p:childTnLst>
+                    </p:cTn>
+                  </p:par>
+                </p:childTnLst>
+              </p:cTn>
+              <p:prevCondLst>
+                <p:cond evt="onPrev" delay="0">
+                  <p:tgtEl>
+                    <p:sldTgt/>
+                  </p:tgtEl>
+                </p:cond>
+              </p:prevCondLst>
+              <p:nextCondLst>
+                <p:cond evt="onNext" delay="0">
+                  <p:tgtEl>
+                    <p:sldTgt/>
+                  </p:tgtEl>
+                </p:cond>
+              </p:nextCondLst>
+            </p:seq>
+          </p:childTnLst>
+        </p:cTn>
+      </p:par>
+    </p:tnLst>
+    <p:bldLst>
+      <p:bldP spid="149" grpId="0" animBg="1"/>
+      <p:bldP spid="158" grpId="0" animBg="1"/>
+      <p:bldP spid="160" grpId="0" animBg="1"/>
+    </p:bldLst>
+  </p:timing>
 </p:sld>
 </file>
 
@@ -51933,6 +53002,90 @@
       </p:grpSpPr>
       <p:sp>
         <p:nvSpPr>
+          <p:cNvPr id="2" name="Rectangle 1">
+            <a:extLst>
+              <a:ext uri="{FF2B5EF4-FFF2-40B4-BE49-F238E27FC236}">
+                <a16:creationId xmlns:a16="http://schemas.microsoft.com/office/drawing/2014/main" id="{E8277263-DEC9-4B07-F905-2E859C1A26AE}"/>
+              </a:ext>
+            </a:extLst>
+          </p:cNvPr>
+          <p:cNvSpPr/>
+          <p:nvPr/>
+        </p:nvSpPr>
+        <p:spPr>
+          <a:xfrm>
+            <a:off x="6696892" y="117519"/>
+            <a:ext cx="6533605" cy="6740481"/>
+          </a:xfrm>
+          <a:prstGeom prst="rect">
+            <a:avLst/>
+          </a:prstGeom>
+          <a:solidFill>
+            <a:srgbClr val="FFFFFF"/>
+          </a:solidFill>
+          <a:ln w="25400" cap="flat">
+            <a:solidFill>
+              <a:schemeClr val="accent1"/>
+            </a:solidFill>
+            <a:prstDash val="solid"/>
+            <a:round/>
+          </a:ln>
+          <a:effectLst/>
+          <a:sp3d/>
+        </p:spPr>
+        <p:style>
+          <a:lnRef idx="0">
+            <a:scrgbClr r="0" g="0" b="0"/>
+          </a:lnRef>
+          <a:fillRef idx="0">
+            <a:scrgbClr r="0" g="0" b="0"/>
+          </a:fillRef>
+          <a:effectRef idx="0">
+            <a:scrgbClr r="0" g="0" b="0"/>
+          </a:effectRef>
+          <a:fontRef idx="none"/>
+        </p:style>
+        <p:txBody>
+          <a:bodyPr rot="0" spcFirstLastPara="1" vertOverflow="overflow" horzOverflow="overflow" vert="horz" wrap="square" lIns="45718" tIns="45718" rIns="45718" bIns="45718" numCol="1" spcCol="38100" rtlCol="0" anchor="ctr">
+            <a:spAutoFit/>
+          </a:bodyPr>
+          <a:lstStyle/>
+          <a:p>
+            <a:pPr marL="0" marR="0" indent="0" algn="l" defTabSz="914400" rtl="0" fontAlgn="auto" latinLnBrk="0" hangingPunct="0">
+              <a:lnSpc>
+                <a:spcPct val="100000"/>
+              </a:lnSpc>
+              <a:spcBef>
+                <a:spcPts val="0"/>
+              </a:spcBef>
+              <a:spcAft>
+                <a:spcPts val="0"/>
+              </a:spcAft>
+              <a:buClrTx/>
+              <a:buSzTx/>
+              <a:buFontTx/>
+              <a:buNone/>
+              <a:tabLst/>
+            </a:pPr>
+            <a:endParaRPr kumimoji="0" lang="en-IT" sz="1800" b="0" i="0" u="none" strike="noStrike" cap="none" spc="0" normalizeH="0" baseline="0">
+              <a:ln>
+                <a:noFill/>
+              </a:ln>
+              <a:solidFill>
+                <a:srgbClr val="000000"/>
+              </a:solidFill>
+              <a:effectLst/>
+              <a:uFillTx/>
+              <a:latin typeface="+mn-lt"/>
+              <a:ea typeface="+mn-ea"/>
+              <a:cs typeface="+mn-cs"/>
+              <a:sym typeface="Helvetica"/>
+            </a:endParaRPr>
+          </a:p>
+        </p:txBody>
+      </p:sp>
+      <p:sp>
+        <p:nvSpPr>
           <p:cNvPr id="162" name="TextBox 6"/>
           <p:cNvSpPr txBox="1"/>
           <p:nvPr/>
@@ -51950,7 +53103,7 @@
           </a:ln>
           <a:extLst>
             <a:ext uri="{C572A759-6A51-4108-AA02-DFA0A04FC94B}">
-              <ma14:wrappingTextBoxFlag xmlns="" xmlns:ma14="http://schemas.microsoft.com/office/mac/drawingml/2011/main" xmlns:a14="http://schemas.microsoft.com/office/drawing/2010/main" xmlns:m="http://schemas.openxmlformats.org/officeDocument/2006/math" val="1"/>
+              <ma14:wrappingTextBoxFlag xmlns:m="http://schemas.openxmlformats.org/officeDocument/2006/math" xmlns:a14="http://schemas.microsoft.com/office/drawing/2010/main" xmlns:ma14="http://schemas.microsoft.com/office/mac/drawingml/2011/main" xmlns="" val="1"/>
             </a:ext>
           </a:extLst>
         </p:spPr>
@@ -52051,7 +53204,7 @@
           </a:ln>
           <a:extLst>
             <a:ext uri="{C572A759-6A51-4108-AA02-DFA0A04FC94B}">
-              <ma14:wrappingTextBoxFlag xmlns="" xmlns:ma14="http://schemas.microsoft.com/office/mac/drawingml/2011/main" xmlns:a14="http://schemas.microsoft.com/office/drawing/2010/main" xmlns:m="http://schemas.openxmlformats.org/officeDocument/2006/math" val="1"/>
+              <ma14:wrappingTextBoxFlag xmlns:m="http://schemas.openxmlformats.org/officeDocument/2006/math" xmlns:a14="http://schemas.microsoft.com/office/drawing/2010/main" xmlns:ma14="http://schemas.microsoft.com/office/mac/drawingml/2011/main" xmlns="" val="1"/>
             </a:ext>
           </a:extLst>
         </p:spPr>
@@ -52125,7 +53278,7 @@
           </a:ln>
           <a:extLst>
             <a:ext uri="{C572A759-6A51-4108-AA02-DFA0A04FC94B}">
-              <ma14:wrappingTextBoxFlag xmlns="" xmlns:ma14="http://schemas.microsoft.com/office/mac/drawingml/2011/main" xmlns:a14="http://schemas.microsoft.com/office/drawing/2010/main" xmlns:m="http://schemas.openxmlformats.org/officeDocument/2006/math" val="1"/>
+              <ma14:wrappingTextBoxFlag xmlns:m="http://schemas.openxmlformats.org/officeDocument/2006/math" xmlns:a14="http://schemas.microsoft.com/office/drawing/2010/main" xmlns:ma14="http://schemas.microsoft.com/office/mac/drawingml/2011/main" xmlns="" val="1"/>
             </a:ext>
           </a:extLst>
         </p:spPr>
@@ -52192,7 +53345,7 @@
               </a:ln>
               <a:extLst>
                 <a:ext uri="{C572A759-6A51-4108-AA02-DFA0A04FC94B}">
-                  <ma14:wrappingTextBoxFlag xmlns="" xmlns:ma14="http://schemas.microsoft.com/office/mac/drawingml/2011/main" xmlns:m="http://schemas.openxmlformats.org/officeDocument/2006/math" val="1"/>
+                  <ma14:wrappingTextBoxFlag xmlns:m="http://schemas.openxmlformats.org/officeDocument/2006/math" xmlns:ma14="http://schemas.microsoft.com/office/mac/drawingml/2011/main" xmlns="" val="1"/>
                 </a:ext>
               </a:extLst>
             </p:spPr>
@@ -52214,35 +53367,39 @@
                   </a:defRPr>
                 </a:pPr>
                 <a:r>
-                  <a:rPr err="1"/>
+                  <a:rPr dirty="0" err="1"/>
                   <a:t>Dall’esame</a:t>
                 </a:r>
                 <a:r>
+                  <a:rPr dirty="0"/>
                   <a:t> </a:t>
                 </a:r>
                 <a:r>
-                  <a:rPr err="1"/>
+                  <a:rPr dirty="0" err="1"/>
                   <a:t>dell’Eq</a:t>
                 </a:r>
                 <a:r>
+                  <a:rPr dirty="0"/>
                   <a:t>. (2.14) emerge </a:t>
                 </a:r>
                 <a:r>
-                  <a:rPr err="1"/>
+                  <a:rPr dirty="0" err="1"/>
                   <a:t>che</a:t>
                 </a:r>
                 <a:r>
+                  <a:rPr dirty="0"/>
                   <a:t> </a:t>
                 </a:r>
                 <a:r>
-                  <a:rPr err="1"/>
+                  <a:rPr dirty="0" err="1"/>
                   <a:t>esiste</a:t>
                 </a:r>
                 <a:r>
+                  <a:rPr dirty="0"/>
                   <a:t> sempre un punto </a:t>
                 </a:r>
                 <a:r>
-                  <a:rPr>
+                  <a:rPr dirty="0">
                     <a:latin typeface="MJXc-TeX-math-I"/>
                     <a:ea typeface="MJXc-TeX-math-I"/>
                     <a:cs typeface="MJXc-TeX-math-I"/>
@@ -52251,27 +53408,31 @@
                   <a:t>C</a:t>
                 </a:r>
                 <a:r>
+                  <a:rPr dirty="0"/>
                   <a:t> del piano </a:t>
                 </a:r>
                 <a:r>
-                  <a:rPr err="1"/>
+                  <a:rPr dirty="0" err="1"/>
                   <a:t>che</a:t>
                 </a:r>
                 <a:r>
+                  <a:rPr dirty="0"/>
                   <a:t> non </a:t>
                 </a:r>
                 <a:r>
-                  <a:rPr err="1"/>
+                  <a:rPr dirty="0" err="1"/>
                   <a:t>subisce</a:t>
                 </a:r>
                 <a:r>
+                  <a:rPr dirty="0"/>
                   <a:t> </a:t>
                 </a:r>
                 <a:r>
-                  <a:rPr err="1"/>
+                  <a:rPr dirty="0" err="1"/>
                   <a:t>spostamenti</a:t>
                 </a:r>
                 <a:r>
+                  <a:rPr dirty="0"/>
                   <a:t> (</a:t>
                 </a:r>
                 <a14:m>
@@ -52312,7 +53473,7 @@
                     </m:sSub>
                   </m:oMath>
                 </a14:m>
-                <a:endParaRPr>
+                <a:endParaRPr dirty="0">
                   <a:latin typeface="Cambria Math"/>
                   <a:ea typeface="Cambria Math"/>
                   <a:cs typeface="Cambria Math"/>
@@ -52332,6 +53493,7 @@
                   </a:defRPr>
                 </a:pPr>
                 <a:r>
+                  <a:rPr dirty="0"/>
                   <a:t>=</a:t>
                 </a:r>
                 <a14:m>
@@ -52373,10 +53535,11 @@
                   </m:oMath>
                 </a14:m>
                 <a:r>
+                  <a:rPr dirty="0"/>
                   <a:t>=0</a:t>
                 </a:r>
                 <a:r>
-                  <a:rPr>
+                  <a:rPr dirty="0">
                     <a:latin typeface="freight-text-pro"/>
                     <a:ea typeface="freight-text-pro"/>
                     <a:cs typeface="freight-text-pro"/>
@@ -52398,9 +53561,10 @@
                   </a:defRPr>
                 </a:pPr>
                 <a:br>
-                  <a:rPr/>
+                  <a:rPr dirty="0"/>
                 </a:br>
                 <a:r>
+                  <a:rPr dirty="0"/>
                   <a:t>Tale punto, ha coordinate</a:t>
                 </a:r>
               </a:p>
@@ -52500,7 +53664,7 @@
           </a:ln>
           <a:extLst>
             <a:ext uri="{C572A759-6A51-4108-AA02-DFA0A04FC94B}">
-              <ma14:wrappingTextBoxFlag xmlns="" xmlns:ma14="http://schemas.microsoft.com/office/mac/drawingml/2011/main" xmlns:a14="http://schemas.microsoft.com/office/drawing/2010/main" xmlns:m="http://schemas.openxmlformats.org/officeDocument/2006/math" val="1"/>
+              <ma14:wrappingTextBoxFlag xmlns:m="http://schemas.openxmlformats.org/officeDocument/2006/math" xmlns:a14="http://schemas.microsoft.com/office/drawing/2010/main" xmlns:ma14="http://schemas.microsoft.com/office/mac/drawingml/2011/main" xmlns="" val="1"/>
             </a:ext>
           </a:extLst>
         </p:spPr>
@@ -52522,13 +53686,31 @@
               </a:defRPr>
             </a:pPr>
             <a:r>
-              <a:t>Il punto e’ detto </a:t>
-            </a:r>
-            <a:r>
-              <a:rPr i="1"/>
-              <a:t>centro di rotazione</a:t>
-            </a:r>
-            <a:r>
+              <a:rPr dirty="0"/>
+              <a:t>Il punto e’ </a:t>
+            </a:r>
+            <a:r>
+              <a:rPr dirty="0" err="1"/>
+              <a:t>detto</a:t>
+            </a:r>
+            <a:r>
+              <a:rPr dirty="0"/>
+              <a:t> </a:t>
+            </a:r>
+            <a:r>
+              <a:rPr i="1" dirty="0" err="1"/>
+              <a:t>centro</a:t>
+            </a:r>
+            <a:r>
+              <a:rPr i="1" dirty="0"/>
+              <a:t> di </a:t>
+            </a:r>
+            <a:r>
+              <a:rPr i="1" dirty="0" err="1"/>
+              <a:t>rotazione</a:t>
+            </a:r>
+            <a:r>
+              <a:rPr dirty="0"/>
               <a:t>. </a:t>
             </a:r>
           </a:p>
@@ -52544,7 +53726,7 @@
                 <a:sym typeface="freight-text-pro"/>
               </a:defRPr>
             </a:pPr>
-            <a:endParaRPr/>
+            <a:endParaRPr dirty="0"/>
           </a:p>
           <a:p>
             <a:pPr>
@@ -52559,7 +53741,80 @@
               </a:defRPr>
             </a:pPr>
             <a:r>
-              <a:t>La formula generale dello spostamento nel piano, Eq. (2.14), può quindi essere riscritta nella forma:</a:t>
+              <a:rPr dirty="0"/>
+              <a:t>La formula </a:t>
+            </a:r>
+            <a:r>
+              <a:rPr dirty="0" err="1"/>
+              <a:t>generale</a:t>
+            </a:r>
+            <a:r>
+              <a:rPr dirty="0"/>
+              <a:t> </a:t>
+            </a:r>
+            <a:r>
+              <a:rPr dirty="0" err="1"/>
+              <a:t>dello</a:t>
+            </a:r>
+            <a:r>
+              <a:rPr dirty="0"/>
+              <a:t> </a:t>
+            </a:r>
+            <a:r>
+              <a:rPr dirty="0" err="1"/>
+              <a:t>spostamento</a:t>
+            </a:r>
+            <a:r>
+              <a:rPr dirty="0"/>
+              <a:t> </a:t>
+            </a:r>
+            <a:r>
+              <a:rPr dirty="0" err="1"/>
+              <a:t>nel</a:t>
+            </a:r>
+            <a:r>
+              <a:rPr dirty="0"/>
+              <a:t> piano, Eq. (2.14), </a:t>
+            </a:r>
+            <a:r>
+              <a:rPr dirty="0" err="1"/>
+              <a:t>può</a:t>
+            </a:r>
+            <a:r>
+              <a:rPr dirty="0"/>
+              <a:t> </a:t>
+            </a:r>
+            <a:r>
+              <a:rPr dirty="0" err="1"/>
+              <a:t>quindi</a:t>
+            </a:r>
+            <a:r>
+              <a:rPr dirty="0"/>
+              <a:t> </a:t>
+            </a:r>
+            <a:r>
+              <a:rPr dirty="0" err="1"/>
+              <a:t>essere</a:t>
+            </a:r>
+            <a:r>
+              <a:rPr dirty="0"/>
+              <a:t> </a:t>
+            </a:r>
+            <a:r>
+              <a:rPr dirty="0" err="1"/>
+              <a:t>riscritta</a:t>
+            </a:r>
+            <a:r>
+              <a:rPr dirty="0"/>
+              <a:t> </a:t>
+            </a:r>
+            <a:r>
+              <a:rPr dirty="0" err="1"/>
+              <a:t>nella</a:t>
+            </a:r>
+            <a:r>
+              <a:rPr dirty="0"/>
+              <a:t> forma:</a:t>
             </a:r>
           </a:p>
         </p:txBody>
@@ -52612,7 +53867,7 @@
               </a:ln>
               <a:extLst>
                 <a:ext uri="{C572A759-6A51-4108-AA02-DFA0A04FC94B}">
-                  <ma14:wrappingTextBoxFlag xmlns="" xmlns:ma14="http://schemas.microsoft.com/office/mac/drawingml/2011/main" xmlns:m="http://schemas.openxmlformats.org/officeDocument/2006/math" val="1"/>
+                  <ma14:wrappingTextBoxFlag xmlns:m="http://schemas.openxmlformats.org/officeDocument/2006/math" xmlns:ma14="http://schemas.microsoft.com/office/mac/drawingml/2011/main" xmlns="" val="1"/>
                 </a:ext>
               </a:extLst>
             </p:spPr>
